--- a/Redux.pptx
+++ b/Redux.pptx
@@ -5,23 +5,22 @@
     <p:sldMasterId id="2147483648" r:id="rId1"/>
   </p:sldMasterIdLst>
   <p:notesMasterIdLst>
-    <p:notesMasterId r:id="rId16"/>
+    <p:notesMasterId r:id="rId15"/>
   </p:notesMasterIdLst>
   <p:sldIdLst>
     <p:sldId id="256" r:id="rId2"/>
     <p:sldId id="266" r:id="rId3"/>
-    <p:sldId id="275" r:id="rId4"/>
-    <p:sldId id="276" r:id="rId5"/>
-    <p:sldId id="278" r:id="rId6"/>
-    <p:sldId id="277" r:id="rId7"/>
-    <p:sldId id="273" r:id="rId8"/>
-    <p:sldId id="267" r:id="rId9"/>
-    <p:sldId id="268" r:id="rId10"/>
-    <p:sldId id="269" r:id="rId11"/>
-    <p:sldId id="270" r:id="rId12"/>
-    <p:sldId id="271" r:id="rId13"/>
-    <p:sldId id="272" r:id="rId14"/>
-    <p:sldId id="265" r:id="rId15"/>
+    <p:sldId id="273" r:id="rId4"/>
+    <p:sldId id="267" r:id="rId5"/>
+    <p:sldId id="268" r:id="rId6"/>
+    <p:sldId id="269" r:id="rId7"/>
+    <p:sldId id="270" r:id="rId8"/>
+    <p:sldId id="271" r:id="rId9"/>
+    <p:sldId id="272" r:id="rId10"/>
+    <p:sldId id="274" r:id="rId11"/>
+    <p:sldId id="275" r:id="rId12"/>
+    <p:sldId id="276" r:id="rId13"/>
+    <p:sldId id="265" r:id="rId14"/>
   </p:sldIdLst>
   <p:sldSz cx="24384000" cy="13716000"/>
   <p:notesSz cx="6858000" cy="9144000"/>
@@ -580,6 +579,204 @@
 </p:notes>
 </file>
 
+<file path=ppt/notesSlides/notesSlide2.xml><?xml version="1.0" encoding="utf-8"?>
+<p:notes xmlns:a="http://schemas.openxmlformats.org/drawingml/2006/main" xmlns:r="http://schemas.openxmlformats.org/officeDocument/2006/relationships" xmlns:p="http://schemas.openxmlformats.org/presentationml/2006/main">
+  <p:cSld>
+    <p:spTree>
+      <p:nvGrpSpPr>
+        <p:cNvPr id="1" name=""/>
+        <p:cNvGrpSpPr/>
+        <p:nvPr/>
+      </p:nvGrpSpPr>
+      <p:grpSpPr>
+        <a:xfrm>
+          <a:off x="0" y="0"/>
+          <a:ext cx="0" cy="0"/>
+          <a:chOff x="0" y="0"/>
+          <a:chExt cx="0" cy="0"/>
+        </a:xfrm>
+      </p:grpSpPr>
+      <p:sp>
+        <p:nvSpPr>
+          <p:cNvPr id="2" name="عنصر نائب لصورة الشريحة 1"/>
+          <p:cNvSpPr>
+            <a:spLocks noGrp="1" noRot="1" noChangeAspect="1"/>
+          </p:cNvSpPr>
+          <p:nvPr>
+            <p:ph type="sldImg"/>
+          </p:nvPr>
+        </p:nvSpPr>
+        <p:spPr>
+          <a:xfrm>
+            <a:off x="381000" y="685800"/>
+            <a:ext cx="6096000" cy="3429000"/>
+          </a:xfrm>
+        </p:spPr>
+      </p:sp>
+      <p:sp>
+        <p:nvSpPr>
+          <p:cNvPr id="3" name="عنصر نائب للملاحظات 2"/>
+          <p:cNvSpPr>
+            <a:spLocks noGrp="1"/>
+          </p:cNvSpPr>
+          <p:nvPr>
+            <p:ph type="body" idx="1"/>
+          </p:nvPr>
+        </p:nvSpPr>
+        <p:spPr/>
+        <p:txBody>
+          <a:bodyPr/>
+          <a:lstStyle/>
+          <a:p>
+            <a:endParaRPr lang="en-US" dirty="0"/>
+          </a:p>
+        </p:txBody>
+      </p:sp>
+    </p:spTree>
+    <p:extLst>
+      <p:ext uri="{BB962C8B-B14F-4D97-AF65-F5344CB8AC3E}">
+        <p14:creationId xmlns:p14="http://schemas.microsoft.com/office/powerpoint/2010/main" val="2654628589"/>
+      </p:ext>
+    </p:extLst>
+  </p:cSld>
+  <p:clrMapOvr>
+    <a:masterClrMapping/>
+  </p:clrMapOvr>
+</p:notes>
+</file>
+
+<file path=ppt/notesSlides/notesSlide3.xml><?xml version="1.0" encoding="utf-8"?>
+<p:notes xmlns:a="http://schemas.openxmlformats.org/drawingml/2006/main" xmlns:r="http://schemas.openxmlformats.org/officeDocument/2006/relationships" xmlns:p="http://schemas.openxmlformats.org/presentationml/2006/main">
+  <p:cSld>
+    <p:spTree>
+      <p:nvGrpSpPr>
+        <p:cNvPr id="1" name=""/>
+        <p:cNvGrpSpPr/>
+        <p:nvPr/>
+      </p:nvGrpSpPr>
+      <p:grpSpPr>
+        <a:xfrm>
+          <a:off x="0" y="0"/>
+          <a:ext cx="0" cy="0"/>
+          <a:chOff x="0" y="0"/>
+          <a:chExt cx="0" cy="0"/>
+        </a:xfrm>
+      </p:grpSpPr>
+      <p:sp>
+        <p:nvSpPr>
+          <p:cNvPr id="2" name="عنصر نائب لصورة الشريحة 1"/>
+          <p:cNvSpPr>
+            <a:spLocks noGrp="1" noRot="1" noChangeAspect="1"/>
+          </p:cNvSpPr>
+          <p:nvPr>
+            <p:ph type="sldImg"/>
+          </p:nvPr>
+        </p:nvSpPr>
+        <p:spPr>
+          <a:xfrm>
+            <a:off x="381000" y="685800"/>
+            <a:ext cx="6096000" cy="3429000"/>
+          </a:xfrm>
+        </p:spPr>
+      </p:sp>
+      <p:sp>
+        <p:nvSpPr>
+          <p:cNvPr id="3" name="عنصر نائب للملاحظات 2"/>
+          <p:cNvSpPr>
+            <a:spLocks noGrp="1"/>
+          </p:cNvSpPr>
+          <p:nvPr>
+            <p:ph type="body" idx="1"/>
+          </p:nvPr>
+        </p:nvSpPr>
+        <p:spPr/>
+        <p:txBody>
+          <a:bodyPr/>
+          <a:lstStyle/>
+          <a:p>
+            <a:endParaRPr lang="en-US" dirty="0"/>
+          </a:p>
+        </p:txBody>
+      </p:sp>
+    </p:spTree>
+    <p:extLst>
+      <p:ext uri="{BB962C8B-B14F-4D97-AF65-F5344CB8AC3E}">
+        <p14:creationId xmlns:p14="http://schemas.microsoft.com/office/powerpoint/2010/main" val="1474864215"/>
+      </p:ext>
+    </p:extLst>
+  </p:cSld>
+  <p:clrMapOvr>
+    <a:masterClrMapping/>
+  </p:clrMapOvr>
+</p:notes>
+</file>
+
+<file path=ppt/notesSlides/notesSlide4.xml><?xml version="1.0" encoding="utf-8"?>
+<p:notes xmlns:a="http://schemas.openxmlformats.org/drawingml/2006/main" xmlns:r="http://schemas.openxmlformats.org/officeDocument/2006/relationships" xmlns:p="http://schemas.openxmlformats.org/presentationml/2006/main">
+  <p:cSld>
+    <p:spTree>
+      <p:nvGrpSpPr>
+        <p:cNvPr id="1" name=""/>
+        <p:cNvGrpSpPr/>
+        <p:nvPr/>
+      </p:nvGrpSpPr>
+      <p:grpSpPr>
+        <a:xfrm>
+          <a:off x="0" y="0"/>
+          <a:ext cx="0" cy="0"/>
+          <a:chOff x="0" y="0"/>
+          <a:chExt cx="0" cy="0"/>
+        </a:xfrm>
+      </p:grpSpPr>
+      <p:sp>
+        <p:nvSpPr>
+          <p:cNvPr id="2" name="عنصر نائب لصورة الشريحة 1"/>
+          <p:cNvSpPr>
+            <a:spLocks noGrp="1" noRot="1" noChangeAspect="1"/>
+          </p:cNvSpPr>
+          <p:nvPr>
+            <p:ph type="sldImg"/>
+          </p:nvPr>
+        </p:nvSpPr>
+        <p:spPr>
+          <a:xfrm>
+            <a:off x="381000" y="685800"/>
+            <a:ext cx="6096000" cy="3429000"/>
+          </a:xfrm>
+        </p:spPr>
+      </p:sp>
+      <p:sp>
+        <p:nvSpPr>
+          <p:cNvPr id="3" name="عنصر نائب للملاحظات 2"/>
+          <p:cNvSpPr>
+            <a:spLocks noGrp="1"/>
+          </p:cNvSpPr>
+          <p:nvPr>
+            <p:ph type="body" idx="1"/>
+          </p:nvPr>
+        </p:nvSpPr>
+        <p:spPr/>
+        <p:txBody>
+          <a:bodyPr/>
+          <a:lstStyle/>
+          <a:p>
+            <a:endParaRPr lang="en-US" dirty="0"/>
+          </a:p>
+        </p:txBody>
+      </p:sp>
+    </p:spTree>
+    <p:extLst>
+      <p:ext uri="{BB962C8B-B14F-4D97-AF65-F5344CB8AC3E}">
+        <p14:creationId xmlns:p14="http://schemas.microsoft.com/office/powerpoint/2010/main" val="12945355"/>
+      </p:ext>
+    </p:extLst>
+  </p:cSld>
+  <p:clrMapOvr>
+    <a:masterClrMapping/>
+  </p:clrMapOvr>
+</p:notes>
+</file>
+
 <file path=ppt/slideLayouts/slideLayout1.xml><?xml version="1.0" encoding="utf-8"?>
 <p:sldLayout xmlns:a="http://schemas.openxmlformats.org/drawingml/2006/main" xmlns:r="http://schemas.openxmlformats.org/officeDocument/2006/relationships" xmlns:p="http://schemas.openxmlformats.org/presentationml/2006/main" showMasterSp="0" type="title">
   <p:cSld name="Title">
@@ -866,7 +1063,7 @@
           </a:ln>
           <a:extLst>
             <a:ext uri="{C572A759-6A51-4108-AA02-DFA0A04FC94B}">
-              <ma14:wrappingTextBoxFlag xmlns="" xmlns:m="http://schemas.openxmlformats.org/officeDocument/2006/math" xmlns:a14="http://schemas.microsoft.com/office/drawing/2010/main" xmlns:ma14="http://schemas.microsoft.com/office/mac/drawingml/2011/main" val="1"/>
+              <ma14:wrappingTextBoxFlag xmlns:ma14="http://schemas.microsoft.com/office/mac/drawingml/2011/main" xmlns:a14="http://schemas.microsoft.com/office/drawing/2010/main" xmlns:m="http://schemas.openxmlformats.org/officeDocument/2006/math" xmlns="" val="1"/>
             </a:ext>
           </a:extLst>
         </p:spPr>
@@ -1621,7 +1818,7 @@
           </a:ln>
           <a:extLst>
             <a:ext uri="{C572A759-6A51-4108-AA02-DFA0A04FC94B}">
-              <ma14:wrappingTextBoxFlag xmlns="" xmlns:m="http://schemas.openxmlformats.org/officeDocument/2006/math" xmlns:a14="http://schemas.microsoft.com/office/drawing/2010/main" xmlns:ma14="http://schemas.microsoft.com/office/mac/drawingml/2011/main" val="1"/>
+              <ma14:wrappingTextBoxFlag xmlns:ma14="http://schemas.microsoft.com/office/mac/drawingml/2011/main" xmlns:a14="http://schemas.microsoft.com/office/drawing/2010/main" xmlns:m="http://schemas.openxmlformats.org/officeDocument/2006/math" xmlns="" val="1"/>
             </a:ext>
           </a:extLst>
         </p:spPr>
@@ -3251,7 +3448,7 @@
           </a:ln>
           <a:extLst>
             <a:ext uri="{C572A759-6A51-4108-AA02-DFA0A04FC94B}">
-              <ma14:wrappingTextBoxFlag xmlns="" xmlns:m="http://schemas.openxmlformats.org/officeDocument/2006/math" xmlns:a14="http://schemas.microsoft.com/office/drawing/2010/main" xmlns:ma14="http://schemas.microsoft.com/office/mac/drawingml/2011/main" val="1"/>
+              <ma14:wrappingTextBoxFlag xmlns:ma14="http://schemas.microsoft.com/office/mac/drawingml/2011/main" xmlns:a14="http://schemas.microsoft.com/office/drawing/2010/main" xmlns:m="http://schemas.openxmlformats.org/officeDocument/2006/math" xmlns="" val="1"/>
             </a:ext>
           </a:extLst>
         </p:spPr>
@@ -3294,7 +3491,7 @@
           </a:ln>
           <a:extLst>
             <a:ext uri="{C572A759-6A51-4108-AA02-DFA0A04FC94B}">
-              <ma14:wrappingTextBoxFlag xmlns="" xmlns:m="http://schemas.openxmlformats.org/officeDocument/2006/math" xmlns:a14="http://schemas.microsoft.com/office/drawing/2010/main" xmlns:ma14="http://schemas.microsoft.com/office/mac/drawingml/2011/main" val="1"/>
+              <ma14:wrappingTextBoxFlag xmlns:ma14="http://schemas.microsoft.com/office/mac/drawingml/2011/main" xmlns:a14="http://schemas.microsoft.com/office/drawing/2010/main" xmlns:m="http://schemas.openxmlformats.org/officeDocument/2006/math" xmlns="" val="1"/>
             </a:ext>
           </a:extLst>
         </p:spPr>
@@ -4409,32 +4606,6 @@
       </p:grpSpPr>
       <p:sp>
         <p:nvSpPr>
-          <p:cNvPr id="200" name="Slide Subtitle"/>
-          <p:cNvSpPr txBox="1">
-            <a:spLocks noGrp="1"/>
-          </p:cNvSpPr>
-          <p:nvPr>
-            <p:ph type="body" idx="21"/>
-          </p:nvPr>
-        </p:nvSpPr>
-        <p:spPr>
-          <a:prstGeom prst="rect">
-            <a:avLst/>
-          </a:prstGeom>
-        </p:spPr>
-        <p:txBody>
-          <a:bodyPr/>
-          <a:lstStyle/>
-          <a:p>
-            <a:pPr rtl="0">
-              <a:defRPr/>
-            </a:pPr>
-            <a:endParaRPr/>
-          </a:p>
-        </p:txBody>
-      </p:sp>
-      <p:sp>
-        <p:nvSpPr>
           <p:cNvPr id="203" name="Slide Title"/>
           <p:cNvSpPr txBox="1">
             <a:spLocks noGrp="1"/>
@@ -4463,29 +4634,11 @@
             </a:pPr>
             <a:r>
               <a:rPr lang="en-US" dirty="0"/>
-              <a:t>The Solution is: using Redux</a:t>
+              <a:t>React Context API vs Redux</a:t>
             </a:r>
             <a:endParaRPr dirty="0"/>
           </a:p>
         </p:txBody>
-      </p:sp>
-      <p:sp>
-        <p:nvSpPr>
-          <p:cNvPr id="3" name="عنصر نائب للصورة 2">
-            <a:extLst>
-              <a:ext uri="{FF2B5EF4-FFF2-40B4-BE49-F238E27FC236}">
-                <a16:creationId xmlns:a16="http://schemas.microsoft.com/office/drawing/2014/main" id="{CF62BBAE-776E-411F-BE7C-9573178F1588}"/>
-              </a:ext>
-            </a:extLst>
-          </p:cNvPr>
-          <p:cNvSpPr>
-            <a:spLocks noGrp="1"/>
-          </p:cNvSpPr>
-          <p:nvPr>
-            <p:ph type="pic" sz="half" idx="22"/>
-          </p:nvPr>
-        </p:nvSpPr>
-        <p:spPr/>
       </p:sp>
       <p:sp>
         <p:nvSpPr>
@@ -4503,21 +4656,238 @@
             <p:ph type="body" sz="half" idx="1"/>
           </p:nvPr>
         </p:nvSpPr>
-        <p:spPr/>
+        <p:spPr>
+          <a:xfrm>
+            <a:off x="1206500" y="2281374"/>
+            <a:ext cx="20645794" cy="8256630"/>
+          </a:xfrm>
+        </p:spPr>
         <p:txBody>
-          <a:bodyPr/>
+          <a:bodyPr>
+            <a:noAutofit/>
+          </a:bodyPr>
           <a:lstStyle/>
           <a:p>
-            <a:endParaRPr lang="en-US"/>
+            <a:pPr marL="0" indent="0" algn="l" rtl="0">
+              <a:lnSpc>
+                <a:spcPct val="100000"/>
+              </a:lnSpc>
+              <a:buNone/>
+            </a:pPr>
+            <a:r>
+              <a:rPr lang="en-US" b="1" i="0" dirty="0">
+                <a:solidFill>
+                  <a:srgbClr val="0096A4"/>
+                </a:solidFill>
+                <a:effectLst/>
+                <a:latin typeface="Helvetica" panose="020B0604020202020204" pitchFamily="34" charset="0"/>
+                <a:cs typeface="Helvetica" panose="020B0604020202020204" pitchFamily="34" charset="0"/>
+              </a:rPr>
+              <a:t>The Difference</a:t>
+            </a:r>
+          </a:p>
+          <a:p>
+            <a:pPr algn="l" rtl="0">
+              <a:lnSpc>
+                <a:spcPct val="100000"/>
+              </a:lnSpc>
+            </a:pPr>
+            <a:r>
+              <a:rPr lang="en-US" b="0" i="0" dirty="0">
+                <a:solidFill>
+                  <a:srgbClr val="1F1E1E"/>
+                </a:solidFill>
+                <a:effectLst/>
+                <a:latin typeface="Helvetica" panose="020B0604020202020204" pitchFamily="34" charset="0"/>
+                <a:cs typeface="Helvetica" panose="020B0604020202020204" pitchFamily="34" charset="0"/>
+              </a:rPr>
+              <a:t>In the react architecture if a react application is configured with Redux then there can be only one store. There are exceptional situations where multiple store can be considered. So if you look at the react component tree then redux has to seat on the top of that tree.</a:t>
+            </a:r>
+          </a:p>
+          <a:p>
+            <a:pPr algn="l" rtl="0">
+              <a:lnSpc>
+                <a:spcPct val="100000"/>
+              </a:lnSpc>
+            </a:pPr>
+            <a:r>
+              <a:rPr lang="en-US" b="0" i="0" dirty="0">
+                <a:solidFill>
+                  <a:srgbClr val="1F1E1E"/>
+                </a:solidFill>
+                <a:effectLst/>
+                <a:latin typeface="Helvetica" panose="020B0604020202020204" pitchFamily="34" charset="0"/>
+                <a:cs typeface="Helvetica" panose="020B0604020202020204" pitchFamily="34" charset="0"/>
+              </a:rPr>
+              <a:t>React Context API on the other hand , we can have multiple contexts across the application. It solves the problem of "Prop Drilling", whatever we have in the context something is updated that changed is passed to its children nodes via context an for achieving that we don't have to pass all the props unnecessarily.</a:t>
+            </a:r>
+            <a:endParaRPr lang="en-US" dirty="0">
+              <a:latin typeface="Helvetica" panose="020B0604020202020204" pitchFamily="34" charset="0"/>
+              <a:cs typeface="Helvetica" panose="020B0604020202020204" pitchFamily="34" charset="0"/>
+            </a:endParaRPr>
+          </a:p>
+          <a:p>
+            <a:pPr marL="0" indent="0" algn="l" rtl="0">
+              <a:lnSpc>
+                <a:spcPct val="100000"/>
+              </a:lnSpc>
+              <a:buNone/>
+            </a:pPr>
+            <a:r>
+              <a:rPr lang="en-US" b="1" i="0" dirty="0">
+                <a:solidFill>
+                  <a:srgbClr val="0096A4"/>
+                </a:solidFill>
+                <a:effectLst/>
+                <a:latin typeface="Helvetica" panose="020B0604020202020204" pitchFamily="34" charset="0"/>
+                <a:cs typeface="Helvetica" panose="020B0604020202020204" pitchFamily="34" charset="0"/>
+              </a:rPr>
+              <a:t>When to use Redux  </a:t>
+            </a:r>
+          </a:p>
+          <a:p>
+            <a:pPr algn="l" rtl="0">
+              <a:lnSpc>
+                <a:spcPct val="100000"/>
+              </a:lnSpc>
+            </a:pPr>
+            <a:r>
+              <a:rPr lang="en-US" b="0" i="0" dirty="0">
+                <a:solidFill>
+                  <a:srgbClr val="1F1E1E"/>
+                </a:solidFill>
+                <a:effectLst/>
+                <a:latin typeface="Helvetica" panose="020B0604020202020204" pitchFamily="34" charset="0"/>
+                <a:cs typeface="Helvetica" panose="020B0604020202020204" pitchFamily="34" charset="0"/>
+              </a:rPr>
+              <a:t>If we are working in an application which requires very frequent updates , like multiple updates per second then redux will be a better solution.</a:t>
+            </a:r>
+            <a:endParaRPr lang="en-US" dirty="0">
+              <a:solidFill>
+                <a:srgbClr val="1F1E1E"/>
+              </a:solidFill>
+              <a:latin typeface="Helvetica" panose="020B0604020202020204" pitchFamily="34" charset="0"/>
+              <a:cs typeface="Helvetica" panose="020B0604020202020204" pitchFamily="34" charset="0"/>
+            </a:endParaRPr>
+          </a:p>
+          <a:p>
+            <a:pPr marL="0" indent="0" algn="l" rtl="0">
+              <a:lnSpc>
+                <a:spcPct val="100000"/>
+              </a:lnSpc>
+              <a:buNone/>
+            </a:pPr>
+            <a:r>
+              <a:rPr lang="en-US" b="1" i="0" dirty="0">
+                <a:solidFill>
+                  <a:srgbClr val="0096A4"/>
+                </a:solidFill>
+                <a:effectLst/>
+                <a:latin typeface="Helvetica" panose="020B0604020202020204" pitchFamily="34" charset="0"/>
+                <a:cs typeface="Helvetica" panose="020B0604020202020204" pitchFamily="34" charset="0"/>
+              </a:rPr>
+              <a:t>When to use Context API </a:t>
+            </a:r>
+          </a:p>
+          <a:p>
+            <a:pPr algn="l" rtl="0">
+              <a:lnSpc>
+                <a:spcPct val="100000"/>
+              </a:lnSpc>
+            </a:pPr>
+            <a:r>
+              <a:rPr lang="en-US" b="0" i="0" dirty="0">
+                <a:solidFill>
+                  <a:srgbClr val="1F1E1E"/>
+                </a:solidFill>
+                <a:effectLst/>
+                <a:latin typeface="Helvetica" panose="020B0604020202020204" pitchFamily="34" charset="0"/>
+                <a:cs typeface="Helvetica" panose="020B0604020202020204" pitchFamily="34" charset="0"/>
+              </a:rPr>
+              <a:t>When we are dealing with less frequent changes those data should be put in Context API , lets say if we are selecting theme for a website we can keep that data in context </a:t>
+            </a:r>
+            <a:r>
+              <a:rPr lang="en-US" b="0" i="0" dirty="0" err="1">
+                <a:solidFill>
+                  <a:srgbClr val="1F1E1E"/>
+                </a:solidFill>
+                <a:effectLst/>
+                <a:latin typeface="Helvetica" panose="020B0604020202020204" pitchFamily="34" charset="0"/>
+                <a:cs typeface="Helvetica" panose="020B0604020202020204" pitchFamily="34" charset="0"/>
+              </a:rPr>
+              <a:t>api</a:t>
+            </a:r>
+            <a:r>
+              <a:rPr lang="en-US" b="0" i="0" dirty="0">
+                <a:solidFill>
+                  <a:srgbClr val="1F1E1E"/>
+                </a:solidFill>
+                <a:effectLst/>
+                <a:latin typeface="Helvetica" panose="020B0604020202020204" pitchFamily="34" charset="0"/>
+                <a:cs typeface="Helvetica" panose="020B0604020202020204" pitchFamily="34" charset="0"/>
+              </a:rPr>
+              <a:t>, more over context </a:t>
+            </a:r>
+            <a:r>
+              <a:rPr lang="en-US" b="0" i="0" dirty="0" err="1">
+                <a:solidFill>
+                  <a:srgbClr val="1F1E1E"/>
+                </a:solidFill>
+                <a:effectLst/>
+                <a:latin typeface="Helvetica" panose="020B0604020202020204" pitchFamily="34" charset="0"/>
+                <a:cs typeface="Helvetica" panose="020B0604020202020204" pitchFamily="34" charset="0"/>
+              </a:rPr>
+              <a:t>api</a:t>
+            </a:r>
+            <a:r>
+              <a:rPr lang="en-US" b="0" i="0" dirty="0">
+                <a:solidFill>
+                  <a:srgbClr val="1F1E1E"/>
+                </a:solidFill>
+                <a:effectLst/>
+                <a:latin typeface="Helvetica" panose="020B0604020202020204" pitchFamily="34" charset="0"/>
+                <a:cs typeface="Helvetica" panose="020B0604020202020204" pitchFamily="34" charset="0"/>
+              </a:rPr>
+              <a:t> comes with react package we don't need to install any extra packages for that and its really easy to setup context </a:t>
+            </a:r>
+            <a:r>
+              <a:rPr lang="en-US" b="0" i="0" dirty="0" err="1">
+                <a:solidFill>
+                  <a:srgbClr val="1F1E1E"/>
+                </a:solidFill>
+                <a:effectLst/>
+                <a:latin typeface="Helvetica" panose="020B0604020202020204" pitchFamily="34" charset="0"/>
+                <a:cs typeface="Helvetica" panose="020B0604020202020204" pitchFamily="34" charset="0"/>
+              </a:rPr>
+              <a:t>api</a:t>
+            </a:r>
+            <a:br>
+              <a:rPr lang="en-US" b="0" i="0" dirty="0">
+                <a:solidFill>
+                  <a:srgbClr val="1F1E1E"/>
+                </a:solidFill>
+                <a:effectLst/>
+                <a:latin typeface="Helvetica" panose="020B0604020202020204" pitchFamily="34" charset="0"/>
+                <a:cs typeface="Helvetica" panose="020B0604020202020204" pitchFamily="34" charset="0"/>
+              </a:rPr>
+            </a:br>
+            <a:endParaRPr lang="en-US" b="0" i="0" dirty="0">
+              <a:solidFill>
+                <a:srgbClr val="1F1E1E"/>
+              </a:solidFill>
+              <a:effectLst/>
+              <a:latin typeface="Helvetica" panose="020B0604020202020204" pitchFamily="34" charset="0"/>
+              <a:cs typeface="Helvetica" panose="020B0604020202020204" pitchFamily="34" charset="0"/>
+            </a:endParaRPr>
           </a:p>
         </p:txBody>
       </p:sp>
       <p:pic>
         <p:nvPicPr>
-          <p:cNvPr id="3074" name="Picture 2" descr="شجرة مكونات React.js معقدة مع Redux">
+          <p:cNvPr id="1026" name="Picture 2">
             <a:extLst>
               <a:ext uri="{FF2B5EF4-FFF2-40B4-BE49-F238E27FC236}">
-                <a16:creationId xmlns:a16="http://schemas.microsoft.com/office/drawing/2014/main" id="{1D277452-702B-452B-9535-A0880453716C}"/>
+                <a16:creationId xmlns:a16="http://schemas.microsoft.com/office/drawing/2014/main" id="{915DFB18-CE71-4A52-A532-F61F2C780205}"/>
               </a:ext>
             </a:extLst>
           </p:cNvPr>
@@ -4527,7 +4897,7 @@
           <p:nvPr/>
         </p:nvPicPr>
         <p:blipFill>
-          <a:blip r:embed="rId2">
+          <a:blip r:embed="rId3">
             <a:extLst>
               <a:ext uri="{28A0092B-C50C-407E-A947-70E740481C1C}">
                 <a14:useLocalDpi xmlns:a14="http://schemas.microsoft.com/office/drawing/2010/main" val="0"/>
@@ -4541,8 +4911,8 @@
         </p:blipFill>
         <p:spPr bwMode="auto">
           <a:xfrm>
-            <a:off x="5083086" y="3307742"/>
-            <a:ext cx="14221329" cy="8793188"/>
+            <a:off x="17504228" y="317241"/>
+            <a:ext cx="5467971" cy="2716898"/>
           </a:xfrm>
           <a:prstGeom prst="rect">
             <a:avLst/>
@@ -4562,7 +4932,7 @@
     </p:spTree>
     <p:extLst>
       <p:ext uri="{BB962C8B-B14F-4D97-AF65-F5344CB8AC3E}">
-        <p14:creationId xmlns:p14="http://schemas.microsoft.com/office/powerpoint/2010/main" val="2612839216"/>
+        <p14:creationId xmlns:p14="http://schemas.microsoft.com/office/powerpoint/2010/main" val="1294011686"/>
       </p:ext>
     </p:extLst>
   </p:cSld>
@@ -4592,32 +4962,6 @@
       </p:grpSpPr>
       <p:sp>
         <p:nvSpPr>
-          <p:cNvPr id="200" name="Slide Subtitle"/>
-          <p:cNvSpPr txBox="1">
-            <a:spLocks noGrp="1"/>
-          </p:cNvSpPr>
-          <p:nvPr>
-            <p:ph type="body" idx="21"/>
-          </p:nvPr>
-        </p:nvSpPr>
-        <p:spPr>
-          <a:prstGeom prst="rect">
-            <a:avLst/>
-          </a:prstGeom>
-        </p:spPr>
-        <p:txBody>
-          <a:bodyPr/>
-          <a:lstStyle/>
-          <a:p>
-            <a:pPr rtl="0">
-              <a:defRPr/>
-            </a:pPr>
-            <a:endParaRPr/>
-          </a:p>
-        </p:txBody>
-      </p:sp>
-      <p:sp>
-        <p:nvSpPr>
           <p:cNvPr id="203" name="Slide Title"/>
           <p:cNvSpPr txBox="1">
             <a:spLocks noGrp="1"/>
@@ -4646,29 +4990,11 @@
             </a:pPr>
             <a:r>
               <a:rPr lang="en-US" dirty="0"/>
-              <a:t>The Solution is: using Redux</a:t>
+              <a:t>React Context API vs Redux</a:t>
             </a:r>
             <a:endParaRPr dirty="0"/>
           </a:p>
         </p:txBody>
-      </p:sp>
-      <p:sp>
-        <p:nvSpPr>
-          <p:cNvPr id="3" name="عنصر نائب للصورة 2">
-            <a:extLst>
-              <a:ext uri="{FF2B5EF4-FFF2-40B4-BE49-F238E27FC236}">
-                <a16:creationId xmlns:a16="http://schemas.microsoft.com/office/drawing/2014/main" id="{CF62BBAE-776E-411F-BE7C-9573178F1588}"/>
-              </a:ext>
-            </a:extLst>
-          </p:cNvPr>
-          <p:cNvSpPr>
-            <a:spLocks noGrp="1"/>
-          </p:cNvSpPr>
-          <p:nvPr>
-            <p:ph type="pic" sz="half" idx="22"/>
-          </p:nvPr>
-        </p:nvSpPr>
-        <p:spPr/>
       </p:sp>
       <p:sp>
         <p:nvSpPr>
@@ -4686,66 +5012,315 @@
             <p:ph type="body" sz="half" idx="1"/>
           </p:nvPr>
         </p:nvSpPr>
-        <p:spPr/>
+        <p:spPr>
+          <a:xfrm>
+            <a:off x="1206500" y="3049472"/>
+            <a:ext cx="21971000" cy="8256630"/>
+          </a:xfrm>
+        </p:spPr>
         <p:txBody>
-          <a:bodyPr/>
+          <a:bodyPr>
+            <a:noAutofit/>
+          </a:bodyPr>
           <a:lstStyle/>
           <a:p>
-            <a:endParaRPr lang="en-US"/>
+            <a:pPr marL="0" indent="0" algn="l" rtl="0">
+              <a:lnSpc>
+                <a:spcPct val="100000"/>
+              </a:lnSpc>
+              <a:buNone/>
+            </a:pPr>
+            <a:r>
+              <a:rPr lang="en-US" b="1" i="0" dirty="0">
+                <a:solidFill>
+                  <a:srgbClr val="0096A4"/>
+                </a:solidFill>
+                <a:effectLst/>
+                <a:latin typeface="Arial" panose="020B0604020202020204" pitchFamily="34" charset="0"/>
+              </a:rPr>
+              <a:t>Pros of using Redux</a:t>
+            </a:r>
+          </a:p>
+          <a:p>
+            <a:pPr algn="l" rtl="0">
+              <a:lnSpc>
+                <a:spcPct val="100000"/>
+              </a:lnSpc>
+            </a:pPr>
+            <a:r>
+              <a:rPr lang="en-US" b="0" i="0" dirty="0">
+                <a:solidFill>
+                  <a:srgbClr val="1F1E1E"/>
+                </a:solidFill>
+                <a:effectLst/>
+                <a:latin typeface="Arial" panose="020B0604020202020204" pitchFamily="34" charset="0"/>
+              </a:rPr>
+              <a:t>Redux is much powerful</a:t>
+            </a:r>
+          </a:p>
+          <a:p>
+            <a:pPr algn="l" rtl="0">
+              <a:lnSpc>
+                <a:spcPct val="100000"/>
+              </a:lnSpc>
+            </a:pPr>
+            <a:r>
+              <a:rPr lang="en-US" b="0" i="0" dirty="0">
+                <a:solidFill>
+                  <a:srgbClr val="1F1E1E"/>
+                </a:solidFill>
+                <a:effectLst/>
+                <a:latin typeface="Arial" panose="020B0604020202020204" pitchFamily="34" charset="0"/>
+              </a:rPr>
+              <a:t>As it is mentioned above redux internally uses context </a:t>
+            </a:r>
+            <a:r>
+              <a:rPr lang="en-US" b="0" i="0" dirty="0" err="1">
+                <a:solidFill>
+                  <a:srgbClr val="1F1E1E"/>
+                </a:solidFill>
+                <a:effectLst/>
+                <a:latin typeface="Arial" panose="020B0604020202020204" pitchFamily="34" charset="0"/>
+              </a:rPr>
+              <a:t>api</a:t>
+            </a:r>
+            <a:r>
+              <a:rPr lang="en-US" b="0" i="0" dirty="0">
+                <a:solidFill>
+                  <a:srgbClr val="1F1E1E"/>
+                </a:solidFill>
+                <a:effectLst/>
+                <a:latin typeface="Arial" panose="020B0604020202020204" pitchFamily="34" charset="0"/>
+              </a:rPr>
+              <a:t>, so it's much safer to use context </a:t>
+            </a:r>
+            <a:r>
+              <a:rPr lang="en-US" b="0" i="0" dirty="0" err="1">
+                <a:solidFill>
+                  <a:srgbClr val="1F1E1E"/>
+                </a:solidFill>
+                <a:effectLst/>
+                <a:latin typeface="Arial" panose="020B0604020202020204" pitchFamily="34" charset="0"/>
+              </a:rPr>
+              <a:t>api</a:t>
+            </a:r>
+            <a:r>
+              <a:rPr lang="en-US" b="0" i="0" dirty="0">
+                <a:solidFill>
+                  <a:srgbClr val="1F1E1E"/>
+                </a:solidFill>
+                <a:effectLst/>
+                <a:latin typeface="Arial" panose="020B0604020202020204" pitchFamily="34" charset="0"/>
+              </a:rPr>
+              <a:t> via react-redux than directly because if it changes the burden of updating code will be on react-redux not you</a:t>
+            </a:r>
+          </a:p>
+          <a:p>
+            <a:pPr algn="l" rtl="0">
+              <a:lnSpc>
+                <a:spcPct val="100000"/>
+              </a:lnSpc>
+            </a:pPr>
+            <a:r>
+              <a:rPr lang="en-US" b="0" i="0" dirty="0">
+                <a:solidFill>
+                  <a:srgbClr val="1F1E1E"/>
+                </a:solidFill>
+                <a:effectLst/>
+                <a:latin typeface="Arial" panose="020B0604020202020204" pitchFamily="34" charset="0"/>
+              </a:rPr>
+              <a:t>Context does not provide any features like </a:t>
+            </a:r>
+            <a:r>
+              <a:rPr lang="en-US" b="1" i="0" dirty="0">
+                <a:solidFill>
+                  <a:srgbClr val="1F1E1E"/>
+                </a:solidFill>
+                <a:effectLst/>
+                <a:latin typeface="Arial" panose="020B0604020202020204" pitchFamily="34" charset="0"/>
+              </a:rPr>
+              <a:t>Redux </a:t>
+            </a:r>
+            <a:r>
+              <a:rPr lang="en-US" b="1" i="0" dirty="0" err="1">
+                <a:solidFill>
+                  <a:srgbClr val="1F1E1E"/>
+                </a:solidFill>
+                <a:effectLst/>
+                <a:latin typeface="Arial" panose="020B0604020202020204" pitchFamily="34" charset="0"/>
+              </a:rPr>
+              <a:t>Devtools</a:t>
+            </a:r>
+            <a:r>
+              <a:rPr lang="en-US" b="0" i="0" dirty="0">
+                <a:solidFill>
+                  <a:srgbClr val="1F1E1E"/>
+                </a:solidFill>
+                <a:effectLst/>
+                <a:latin typeface="Arial" panose="020B0604020202020204" pitchFamily="34" charset="0"/>
+              </a:rPr>
+              <a:t> , which helps us to see state updates directly</a:t>
+            </a:r>
+          </a:p>
+          <a:p>
+            <a:pPr algn="l" rtl="0">
+              <a:lnSpc>
+                <a:spcPct val="100000"/>
+              </a:lnSpc>
+            </a:pPr>
+            <a:r>
+              <a:rPr lang="en-US" b="0" i="0" dirty="0">
+                <a:solidFill>
+                  <a:srgbClr val="1F1E1E"/>
+                </a:solidFill>
+                <a:effectLst/>
+                <a:latin typeface="Arial" panose="020B0604020202020204" pitchFamily="34" charset="0"/>
+              </a:rPr>
+              <a:t>We can have middleware to add </a:t>
+            </a:r>
+            <a:r>
+              <a:rPr lang="en-US" b="0" i="0" dirty="0" err="1">
+                <a:solidFill>
+                  <a:srgbClr val="1F1E1E"/>
+                </a:solidFill>
+                <a:effectLst/>
+                <a:latin typeface="Arial" panose="020B0604020202020204" pitchFamily="34" charset="0"/>
+              </a:rPr>
+              <a:t>centralised</a:t>
+            </a:r>
+            <a:r>
+              <a:rPr lang="en-US" b="0" i="0" dirty="0">
+                <a:solidFill>
+                  <a:srgbClr val="1F1E1E"/>
+                </a:solidFill>
+                <a:effectLst/>
+                <a:latin typeface="Arial" panose="020B0604020202020204" pitchFamily="34" charset="0"/>
+              </a:rPr>
+              <a:t> logic</a:t>
+            </a:r>
+          </a:p>
+          <a:p>
+            <a:pPr marL="0" indent="0" algn="l" rtl="0">
+              <a:lnSpc>
+                <a:spcPct val="100000"/>
+              </a:lnSpc>
+              <a:buNone/>
+            </a:pPr>
+            <a:r>
+              <a:rPr lang="en-US" b="1" i="0" dirty="0">
+                <a:solidFill>
+                  <a:srgbClr val="0096A4"/>
+                </a:solidFill>
+                <a:effectLst/>
+                <a:latin typeface="Arial" panose="020B0604020202020204" pitchFamily="34" charset="0"/>
+              </a:rPr>
+              <a:t>Cons of using Redux </a:t>
+            </a:r>
+            <a:endParaRPr lang="en-US" b="0" i="0" dirty="0">
+              <a:solidFill>
+                <a:srgbClr val="0096A4"/>
+              </a:solidFill>
+              <a:effectLst/>
+              <a:latin typeface="Arial" panose="020B0604020202020204" pitchFamily="34" charset="0"/>
+            </a:endParaRPr>
+          </a:p>
+          <a:p>
+            <a:pPr algn="l" rtl="0">
+              <a:lnSpc>
+                <a:spcPct val="100000"/>
+              </a:lnSpc>
+            </a:pPr>
+            <a:r>
+              <a:rPr lang="en-US" b="0" i="0" dirty="0">
+                <a:solidFill>
+                  <a:srgbClr val="1F1E1E"/>
+                </a:solidFill>
+                <a:effectLst/>
+                <a:latin typeface="Arial" panose="020B0604020202020204" pitchFamily="34" charset="0"/>
+              </a:rPr>
+              <a:t>You need to install extra dependencies like redux, react-redux and a middleware (</a:t>
+            </a:r>
+            <a:r>
+              <a:rPr lang="en-US" b="0" i="0" dirty="0" err="1">
+                <a:solidFill>
+                  <a:srgbClr val="1F1E1E"/>
+                </a:solidFill>
+                <a:effectLst/>
+                <a:latin typeface="Arial" panose="020B0604020202020204" pitchFamily="34" charset="0"/>
+              </a:rPr>
+              <a:t>thunk</a:t>
+            </a:r>
+            <a:r>
+              <a:rPr lang="en-US" b="0" i="0" dirty="0">
+                <a:solidFill>
+                  <a:srgbClr val="1F1E1E"/>
+                </a:solidFill>
+                <a:effectLst/>
+                <a:latin typeface="Arial" panose="020B0604020202020204" pitchFamily="34" charset="0"/>
+              </a:rPr>
+              <a:t> , saga </a:t>
+            </a:r>
+            <a:r>
+              <a:rPr lang="en-US" b="0" i="0" dirty="0" err="1">
+                <a:solidFill>
+                  <a:srgbClr val="1F1E1E"/>
+                </a:solidFill>
+                <a:effectLst/>
+                <a:latin typeface="Arial" panose="020B0604020202020204" pitchFamily="34" charset="0"/>
+              </a:rPr>
+              <a:t>etc</a:t>
+            </a:r>
+            <a:r>
+              <a:rPr lang="en-US" b="0" i="0" dirty="0">
+                <a:solidFill>
+                  <a:srgbClr val="1F1E1E"/>
+                </a:solidFill>
+                <a:effectLst/>
+                <a:latin typeface="Arial" panose="020B0604020202020204" pitchFamily="34" charset="0"/>
+              </a:rPr>
+              <a:t>) </a:t>
+            </a:r>
+          </a:p>
+          <a:p>
+            <a:pPr algn="l" rtl="0">
+              <a:lnSpc>
+                <a:spcPct val="100000"/>
+              </a:lnSpc>
+            </a:pPr>
+            <a:r>
+              <a:rPr lang="en-US" b="0" i="0" dirty="0">
+                <a:solidFill>
+                  <a:srgbClr val="1F1E1E"/>
+                </a:solidFill>
+                <a:effectLst/>
+                <a:latin typeface="Arial" panose="020B0604020202020204" pitchFamily="34" charset="0"/>
+              </a:rPr>
+              <a:t>Installing extra dependencies increases bundle size</a:t>
+            </a:r>
+          </a:p>
+          <a:p>
+            <a:pPr algn="l" rtl="0">
+              <a:lnSpc>
+                <a:spcPct val="100000"/>
+              </a:lnSpc>
+            </a:pPr>
+            <a:r>
+              <a:rPr lang="en-US" b="0" i="0" dirty="0">
+                <a:solidFill>
+                  <a:srgbClr val="1F1E1E"/>
+                </a:solidFill>
+                <a:effectLst/>
+                <a:latin typeface="Arial" panose="020B0604020202020204" pitchFamily="34" charset="0"/>
+              </a:rPr>
+              <a:t>Initial setup takes little time, though very easy to use after these setup</a:t>
+            </a:r>
           </a:p>
         </p:txBody>
       </p:sp>
-      <p:pic>
-        <p:nvPicPr>
-          <p:cNvPr id="5122" name="Picture 2" descr="redux - Liberal Dictionary">
-            <a:extLst>
-              <a:ext uri="{FF2B5EF4-FFF2-40B4-BE49-F238E27FC236}">
-                <a16:creationId xmlns:a16="http://schemas.microsoft.com/office/drawing/2014/main" id="{1D37E717-4B30-4FAA-89CB-2E00B3F5F7B4}"/>
-              </a:ext>
-            </a:extLst>
-          </p:cNvPr>
-          <p:cNvPicPr>
-            <a:picLocks noChangeAspect="1" noChangeArrowheads="1"/>
-          </p:cNvPicPr>
-          <p:nvPr/>
-        </p:nvPicPr>
-        <p:blipFill>
-          <a:blip r:embed="rId2">
-            <a:extLst>
-              <a:ext uri="{28A0092B-C50C-407E-A947-70E740481C1C}">
-                <a14:useLocalDpi xmlns:a14="http://schemas.microsoft.com/office/drawing/2010/main" val="0"/>
-              </a:ext>
-            </a:extLst>
-          </a:blip>
-          <a:srcRect/>
-          <a:stretch>
-            <a:fillRect/>
-          </a:stretch>
-        </p:blipFill>
-        <p:spPr bwMode="auto">
-          <a:xfrm>
-            <a:off x="4653351" y="2818143"/>
-            <a:ext cx="15073798" cy="9496493"/>
-          </a:xfrm>
-          <a:prstGeom prst="rect">
-            <a:avLst/>
-          </a:prstGeom>
-          <a:noFill/>
-          <a:extLst>
-            <a:ext uri="{909E8E84-426E-40DD-AFC4-6F175D3DCCD1}">
-              <a14:hiddenFill xmlns:a14="http://schemas.microsoft.com/office/drawing/2010/main">
-                <a:solidFill>
-                  <a:srgbClr val="FFFFFF"/>
-                </a:solidFill>
-              </a14:hiddenFill>
-            </a:ext>
-          </a:extLst>
-        </p:spPr>
-      </p:pic>
     </p:spTree>
     <p:extLst>
       <p:ext uri="{BB962C8B-B14F-4D97-AF65-F5344CB8AC3E}">
-        <p14:creationId xmlns:p14="http://schemas.microsoft.com/office/powerpoint/2010/main" val="167317326"/>
+        <p14:creationId xmlns:p14="http://schemas.microsoft.com/office/powerpoint/2010/main" val="1020666551"/>
       </p:ext>
     </p:extLst>
   </p:cSld>
@@ -4775,32 +5350,6 @@
       </p:grpSpPr>
       <p:sp>
         <p:nvSpPr>
-          <p:cNvPr id="200" name="Slide Subtitle"/>
-          <p:cNvSpPr txBox="1">
-            <a:spLocks noGrp="1"/>
-          </p:cNvSpPr>
-          <p:nvPr>
-            <p:ph type="body" idx="21"/>
-          </p:nvPr>
-        </p:nvSpPr>
-        <p:spPr>
-          <a:prstGeom prst="rect">
-            <a:avLst/>
-          </a:prstGeom>
-        </p:spPr>
-        <p:txBody>
-          <a:bodyPr/>
-          <a:lstStyle/>
-          <a:p>
-            <a:pPr rtl="0">
-              <a:defRPr/>
-            </a:pPr>
-            <a:endParaRPr/>
-          </a:p>
-        </p:txBody>
-      </p:sp>
-      <p:sp>
-        <p:nvSpPr>
           <p:cNvPr id="203" name="Slide Title"/>
           <p:cNvSpPr txBox="1">
             <a:spLocks noGrp="1"/>
@@ -4829,190 +5378,7 @@
             </a:pPr>
             <a:r>
               <a:rPr lang="en-US" dirty="0"/>
-              <a:t>Redux flow</a:t>
-            </a:r>
-            <a:endParaRPr dirty="0"/>
-          </a:p>
-        </p:txBody>
-      </p:sp>
-      <p:sp>
-        <p:nvSpPr>
-          <p:cNvPr id="3" name="عنصر نائب للصورة 2">
-            <a:extLst>
-              <a:ext uri="{FF2B5EF4-FFF2-40B4-BE49-F238E27FC236}">
-                <a16:creationId xmlns:a16="http://schemas.microsoft.com/office/drawing/2014/main" id="{CF62BBAE-776E-411F-BE7C-9573178F1588}"/>
-              </a:ext>
-            </a:extLst>
-          </p:cNvPr>
-          <p:cNvSpPr>
-            <a:spLocks noGrp="1"/>
-          </p:cNvSpPr>
-          <p:nvPr>
-            <p:ph type="pic" sz="half" idx="22"/>
-          </p:nvPr>
-        </p:nvSpPr>
-        <p:spPr/>
-      </p:sp>
-      <p:sp>
-        <p:nvSpPr>
-          <p:cNvPr id="4" name="عنصر نائب للنص 3">
-            <a:extLst>
-              <a:ext uri="{FF2B5EF4-FFF2-40B4-BE49-F238E27FC236}">
-                <a16:creationId xmlns:a16="http://schemas.microsoft.com/office/drawing/2014/main" id="{A31479DD-2D3E-4473-A843-297ABEDFC25B}"/>
-              </a:ext>
-            </a:extLst>
-          </p:cNvPr>
-          <p:cNvSpPr>
-            <a:spLocks noGrp="1"/>
-          </p:cNvSpPr>
-          <p:nvPr>
-            <p:ph type="body" sz="half" idx="1"/>
-          </p:nvPr>
-        </p:nvSpPr>
-        <p:spPr/>
-        <p:txBody>
-          <a:bodyPr/>
-          <a:lstStyle/>
-          <a:p>
-            <a:endParaRPr lang="en-US"/>
-          </a:p>
-        </p:txBody>
-      </p:sp>
-      <p:pic>
-        <p:nvPicPr>
-          <p:cNvPr id="6146" name="Picture 2" descr="redux">
-            <a:extLst>
-              <a:ext uri="{FF2B5EF4-FFF2-40B4-BE49-F238E27FC236}">
-                <a16:creationId xmlns:a16="http://schemas.microsoft.com/office/drawing/2014/main" id="{208CF375-BF0A-40F8-A25C-5A3A429A9955}"/>
-              </a:ext>
-            </a:extLst>
-          </p:cNvPr>
-          <p:cNvPicPr>
-            <a:picLocks noChangeAspect="1" noChangeArrowheads="1" noCrop="1"/>
-          </p:cNvPicPr>
-          <p:nvPr/>
-        </p:nvPicPr>
-        <p:blipFill>
-          <a:blip r:embed="rId2">
-            <a:extLst>
-              <a:ext uri="{28A0092B-C50C-407E-A947-70E740481C1C}">
-                <a14:useLocalDpi xmlns:a14="http://schemas.microsoft.com/office/drawing/2010/main" val="0"/>
-              </a:ext>
-            </a:extLst>
-          </a:blip>
-          <a:srcRect/>
-          <a:stretch>
-            <a:fillRect/>
-          </a:stretch>
-        </p:blipFill>
-        <p:spPr bwMode="auto">
-          <a:xfrm>
-            <a:off x="4543162" y="2349401"/>
-            <a:ext cx="15240000" cy="10287000"/>
-          </a:xfrm>
-          <a:prstGeom prst="rect">
-            <a:avLst/>
-          </a:prstGeom>
-          <a:noFill/>
-          <a:extLst>
-            <a:ext uri="{909E8E84-426E-40DD-AFC4-6F175D3DCCD1}">
-              <a14:hiddenFill xmlns:a14="http://schemas.microsoft.com/office/drawing/2010/main">
-                <a:solidFill>
-                  <a:srgbClr val="FFFFFF"/>
-                </a:solidFill>
-              </a14:hiddenFill>
-            </a:ext>
-          </a:extLst>
-        </p:spPr>
-      </p:pic>
-    </p:spTree>
-    <p:extLst>
-      <p:ext uri="{BB962C8B-B14F-4D97-AF65-F5344CB8AC3E}">
-        <p14:creationId xmlns:p14="http://schemas.microsoft.com/office/powerpoint/2010/main" val="1648089042"/>
-      </p:ext>
-    </p:extLst>
-  </p:cSld>
-  <p:clrMapOvr>
-    <a:masterClrMapping/>
-  </p:clrMapOvr>
-  <p:transition spd="med"/>
-</p:sld>
-</file>
-
-<file path=ppt/slides/slide13.xml><?xml version="1.0" encoding="utf-8"?>
-<p:sld xmlns:a="http://schemas.openxmlformats.org/drawingml/2006/main" xmlns:r="http://schemas.openxmlformats.org/officeDocument/2006/relationships" xmlns:p="http://schemas.openxmlformats.org/presentationml/2006/main">
-  <p:cSld>
-    <p:spTree>
-      <p:nvGrpSpPr>
-        <p:cNvPr id="1" name=""/>
-        <p:cNvGrpSpPr/>
-        <p:nvPr/>
-      </p:nvGrpSpPr>
-      <p:grpSpPr>
-        <a:xfrm>
-          <a:off x="0" y="0"/>
-          <a:ext cx="0" cy="0"/>
-          <a:chOff x="0" y="0"/>
-          <a:chExt cx="0" cy="0"/>
-        </a:xfrm>
-      </p:grpSpPr>
-      <p:sp>
-        <p:nvSpPr>
-          <p:cNvPr id="200" name="Slide Subtitle"/>
-          <p:cNvSpPr txBox="1">
-            <a:spLocks noGrp="1"/>
-          </p:cNvSpPr>
-          <p:nvPr>
-            <p:ph type="body" idx="21"/>
-          </p:nvPr>
-        </p:nvSpPr>
-        <p:spPr>
-          <a:prstGeom prst="rect">
-            <a:avLst/>
-          </a:prstGeom>
-        </p:spPr>
-        <p:txBody>
-          <a:bodyPr/>
-          <a:lstStyle/>
-          <a:p>
-            <a:pPr rtl="0">
-              <a:defRPr/>
-            </a:pPr>
-            <a:endParaRPr/>
-          </a:p>
-        </p:txBody>
-      </p:sp>
-      <p:sp>
-        <p:nvSpPr>
-          <p:cNvPr id="203" name="Slide Title"/>
-          <p:cNvSpPr txBox="1">
-            <a:spLocks noGrp="1"/>
-          </p:cNvSpPr>
-          <p:nvPr>
-            <p:ph type="title"/>
-          </p:nvPr>
-        </p:nvSpPr>
-        <p:spPr>
-          <a:xfrm>
-            <a:off x="1206500" y="1079500"/>
-            <a:ext cx="15252700" cy="1435100"/>
-          </a:xfrm>
-          <a:prstGeom prst="rect">
-            <a:avLst/>
-          </a:prstGeom>
-        </p:spPr>
-        <p:txBody>
-          <a:bodyPr>
-            <a:normAutofit/>
-          </a:bodyPr>
-          <a:lstStyle/>
-          <a:p>
-            <a:pPr algn="l" rtl="0">
-              <a:defRPr/>
-            </a:pPr>
-            <a:r>
-              <a:rPr lang="en-US" dirty="0"/>
-              <a:t>Redux flow</a:t>
+              <a:t>React Context API vs Redux</a:t>
             </a:r>
             <a:endParaRPr dirty="0"/>
           </a:p>
@@ -5034,106 +5400,185 @@
             <p:ph type="body" sz="half" idx="1"/>
           </p:nvPr>
         </p:nvSpPr>
-        <p:spPr/>
+        <p:spPr>
+          <a:xfrm>
+            <a:off x="1206500" y="3497341"/>
+            <a:ext cx="10985500" cy="8256630"/>
+          </a:xfrm>
+        </p:spPr>
         <p:txBody>
           <a:bodyPr>
-            <a:normAutofit lnSpcReduction="10000"/>
+            <a:noAutofit/>
           </a:bodyPr>
           <a:lstStyle/>
           <a:p>
-            <a:pPr algn="l" rtl="0"/>
-            <a:r>
-              <a:rPr lang="en-US" dirty="0"/>
-              <a:t>It all starts from the User Interface, where the user performs a specific behavior that translates in Redux into what is known as Action.</a:t>
-            </a:r>
-          </a:p>
-          <a:p>
-            <a:pPr algn="l" rtl="0"/>
-            <a:r>
-              <a:rPr lang="en-US" dirty="0"/>
-              <a:t>This action is received in pure functions known as Reducers. It usually accepts two arguments: the old state and the previously fired action, and returns the new state based on the information in the action.</a:t>
-            </a:r>
-          </a:p>
-          <a:p>
-            <a:pPr algn="l" rtl="0"/>
-            <a:r>
-              <a:rPr lang="en-US" dirty="0"/>
-              <a:t>The action is an object with two basic properties:</a:t>
-            </a:r>
-          </a:p>
-          <a:p>
-            <a:pPr lvl="1" algn="l" rtl="0">
-              <a:buFont typeface="Courier New" panose="02070309020205020404" pitchFamily="49" charset="0"/>
-              <a:buChar char="o"/>
+            <a:pPr marL="0" indent="0" algn="l" rtl="0">
+              <a:lnSpc>
+                <a:spcPct val="100000"/>
+              </a:lnSpc>
+              <a:buNone/>
             </a:pPr>
             <a:r>
-              <a:rPr lang="en-US" dirty="0"/>
-              <a:t>type : This property is mandatory and contains the type of action to be performed.</a:t>
-            </a:r>
-          </a:p>
-          <a:p>
-            <a:pPr lvl="1" algn="l" rtl="0">
-              <a:buFont typeface="Courier New" panose="02070309020205020404" pitchFamily="49" charset="0"/>
-              <a:buChar char="o"/>
+              <a:rPr lang="en-US" b="1" i="0" dirty="0">
+                <a:solidFill>
+                  <a:srgbClr val="0096A4"/>
+                </a:solidFill>
+                <a:effectLst/>
+                <a:latin typeface="Arial" panose="020B0604020202020204" pitchFamily="34" charset="0"/>
+              </a:rPr>
+              <a:t>Pros of using Context API</a:t>
+            </a:r>
+          </a:p>
+          <a:p>
+            <a:pPr algn="l" rtl="0">
+              <a:lnSpc>
+                <a:spcPct val="100000"/>
+              </a:lnSpc>
             </a:pPr>
             <a:r>
-              <a:rPr lang="en-US" dirty="0"/>
-              <a:t>payload : This property is not mandatory - it can be called any name other than payload - and it contains the information that we want to send to the Store to be merged into the state of the application via Reducers.</a:t>
-            </a:r>
+              <a:rPr lang="en-US" b="0" i="0" dirty="0">
+                <a:solidFill>
+                  <a:srgbClr val="1F1E1E"/>
+                </a:solidFill>
+                <a:effectLst/>
+                <a:latin typeface="Arial" panose="020B0604020202020204" pitchFamily="34" charset="0"/>
+              </a:rPr>
+              <a:t>No prop drilling</a:t>
+            </a:r>
+          </a:p>
+          <a:p>
+            <a:pPr algn="l" rtl="0">
+              <a:lnSpc>
+                <a:spcPct val="100000"/>
+              </a:lnSpc>
+            </a:pPr>
+            <a:r>
+              <a:rPr lang="en-US" b="0" i="0" dirty="0">
+                <a:solidFill>
+                  <a:srgbClr val="1F1E1E"/>
+                </a:solidFill>
+                <a:effectLst/>
+                <a:latin typeface="Arial" panose="020B0604020202020204" pitchFamily="34" charset="0"/>
+              </a:rPr>
+              <a:t>No extra libraries needs to be installed</a:t>
+            </a:r>
+          </a:p>
+          <a:p>
+            <a:pPr algn="l" rtl="0">
+              <a:lnSpc>
+                <a:spcPct val="100000"/>
+              </a:lnSpc>
+            </a:pPr>
+            <a:r>
+              <a:rPr lang="en-US" b="0" i="0" dirty="0">
+                <a:solidFill>
+                  <a:srgbClr val="1F1E1E"/>
+                </a:solidFill>
+                <a:effectLst/>
+                <a:latin typeface="Arial" panose="020B0604020202020204" pitchFamily="34" charset="0"/>
+              </a:rPr>
+              <a:t>Less bundle size</a:t>
+            </a:r>
+          </a:p>
+          <a:p>
+            <a:pPr algn="l" rtl="0">
+              <a:lnSpc>
+                <a:spcPct val="100000"/>
+              </a:lnSpc>
+            </a:pPr>
+            <a:r>
+              <a:rPr lang="en-US" b="0" i="0" dirty="0">
+                <a:solidFill>
+                  <a:srgbClr val="1F1E1E"/>
+                </a:solidFill>
+                <a:effectLst/>
+                <a:latin typeface="Arial" panose="020B0604020202020204" pitchFamily="34" charset="0"/>
+              </a:rPr>
+              <a:t>Easy and quick setup</a:t>
+            </a:r>
+          </a:p>
+          <a:p>
+            <a:pPr marL="0" indent="0" algn="l" rtl="0">
+              <a:lnSpc>
+                <a:spcPct val="100000"/>
+              </a:lnSpc>
+              <a:buNone/>
+            </a:pPr>
+            <a:r>
+              <a:rPr lang="en-US" b="1" i="0" dirty="0">
+                <a:solidFill>
+                  <a:srgbClr val="0096A4"/>
+                </a:solidFill>
+                <a:effectLst/>
+                <a:latin typeface="Arial" panose="020B0604020202020204" pitchFamily="34" charset="0"/>
+              </a:rPr>
+              <a:t>Cons of using Context API</a:t>
+            </a:r>
+          </a:p>
+          <a:p>
+            <a:pPr algn="l" rtl="0">
+              <a:lnSpc>
+                <a:spcPct val="100000"/>
+              </a:lnSpc>
+            </a:pPr>
+            <a:r>
+              <a:rPr lang="en-US" b="0" i="0" dirty="0">
+                <a:solidFill>
+                  <a:srgbClr val="1F1E1E"/>
+                </a:solidFill>
+                <a:effectLst/>
+                <a:latin typeface="Arial" panose="020B0604020202020204" pitchFamily="34" charset="0"/>
+              </a:rPr>
+              <a:t>Not a good solution for frequent update till date</a:t>
+            </a:r>
+          </a:p>
+          <a:p>
+            <a:pPr algn="l" rtl="0">
+              <a:lnSpc>
+                <a:spcPct val="100000"/>
+              </a:lnSpc>
+            </a:pPr>
+            <a:r>
+              <a:rPr lang="en-US" b="0" i="0" dirty="0">
+                <a:solidFill>
+                  <a:srgbClr val="1F1E1E"/>
+                </a:solidFill>
+                <a:effectLst/>
+                <a:latin typeface="Arial" panose="020B0604020202020204" pitchFamily="34" charset="0"/>
+              </a:rPr>
+              <a:t>No dev tools</a:t>
+            </a:r>
+          </a:p>
+          <a:p>
+            <a:pPr marL="0" indent="0" algn="l" rtl="0">
+              <a:lnSpc>
+                <a:spcPct val="100000"/>
+              </a:lnSpc>
+              <a:buNone/>
+            </a:pPr>
+            <a:br>
+              <a:rPr lang="en-US" b="0" i="0" dirty="0">
+                <a:solidFill>
+                  <a:srgbClr val="1F1E1E"/>
+                </a:solidFill>
+                <a:effectLst/>
+                <a:latin typeface="Arial" panose="020B0604020202020204" pitchFamily="34" charset="0"/>
+              </a:rPr>
+            </a:br>
+            <a:endParaRPr lang="en-US" b="0" i="0" dirty="0">
+              <a:solidFill>
+                <a:srgbClr val="1F1E1E"/>
+              </a:solidFill>
+              <a:effectLst/>
+              <a:latin typeface="Arial" panose="020B0604020202020204" pitchFamily="34" charset="0"/>
+            </a:endParaRPr>
           </a:p>
         </p:txBody>
       </p:sp>
-      <p:pic>
-        <p:nvPicPr>
-          <p:cNvPr id="7170" name="Picture 2" descr="Redux">
-            <a:extLst>
-              <a:ext uri="{FF2B5EF4-FFF2-40B4-BE49-F238E27FC236}">
-                <a16:creationId xmlns:a16="http://schemas.microsoft.com/office/drawing/2014/main" id="{935429D4-AC43-48E2-B235-FD2F80A14DD1}"/>
-              </a:ext>
-            </a:extLst>
-          </p:cNvPr>
-          <p:cNvPicPr>
-            <a:picLocks noChangeAspect="1" noChangeArrowheads="1"/>
-          </p:cNvPicPr>
-          <p:nvPr/>
-        </p:nvPicPr>
-        <p:blipFill>
-          <a:blip r:embed="rId3">
-            <a:extLst>
-              <a:ext uri="{28A0092B-C50C-407E-A947-70E740481C1C}">
-                <a14:useLocalDpi xmlns:a14="http://schemas.microsoft.com/office/drawing/2010/main" val="0"/>
-              </a:ext>
-            </a:extLst>
-          </a:blip>
-          <a:srcRect/>
-          <a:stretch>
-            <a:fillRect/>
-          </a:stretch>
-        </p:blipFill>
-        <p:spPr bwMode="auto">
-          <a:xfrm>
-            <a:off x="11957234" y="3532012"/>
-            <a:ext cx="12426766" cy="6651975"/>
-          </a:xfrm>
-          <a:prstGeom prst="rect">
-            <a:avLst/>
-          </a:prstGeom>
-          <a:noFill/>
-          <a:extLst>
-            <a:ext uri="{909E8E84-426E-40DD-AFC4-6F175D3DCCD1}">
-              <a14:hiddenFill xmlns:a14="http://schemas.microsoft.com/office/drawing/2010/main">
-                <a:solidFill>
-                  <a:srgbClr val="FFFFFF"/>
-                </a:solidFill>
-              </a14:hiddenFill>
-            </a:ext>
-          </a:extLst>
-        </p:spPr>
-      </p:pic>
     </p:spTree>
     <p:extLst>
       <p:ext uri="{BB962C8B-B14F-4D97-AF65-F5344CB8AC3E}">
-        <p14:creationId xmlns:p14="http://schemas.microsoft.com/office/powerpoint/2010/main" val="2287863555"/>
+        <p14:creationId xmlns:p14="http://schemas.microsoft.com/office/powerpoint/2010/main" val="3814286402"/>
       </p:ext>
     </p:extLst>
   </p:cSld>
@@ -5144,7 +5589,7 @@
 </p:sld>
 </file>
 
-<file path=ppt/slides/slide14.xml><?xml version="1.0" encoding="utf-8"?>
+<file path=ppt/slides/slide13.xml><?xml version="1.0" encoding="utf-8"?>
 <p:sld xmlns:a="http://schemas.openxmlformats.org/drawingml/2006/main" xmlns:r="http://schemas.openxmlformats.org/officeDocument/2006/relationships" xmlns:p="http://schemas.openxmlformats.org/presentationml/2006/main">
   <p:cSld>
     <p:spTree>
@@ -5611,7 +6056,7 @@
             </a:pPr>
             <a:r>
               <a:rPr lang="en-US" dirty="0"/>
-              <a:t>Component communication</a:t>
+              <a:t>What is Redux?</a:t>
             </a:r>
           </a:p>
           <a:p>
@@ -5622,7 +6067,7 @@
             </a:pPr>
             <a:r>
               <a:rPr lang="en-US" dirty="0"/>
-              <a:t>What is Redux?</a:t>
+              <a:t>Why to use Redux?</a:t>
             </a:r>
           </a:p>
           <a:p>
@@ -5633,7 +6078,7 @@
             </a:pPr>
             <a:r>
               <a:rPr lang="en-US" dirty="0"/>
-              <a:t>Why to use Redux?</a:t>
+              <a:t>Redux flow</a:t>
             </a:r>
           </a:p>
           <a:p>
@@ -5644,7 +6089,7 @@
             </a:pPr>
             <a:r>
               <a:rPr lang="en-US" dirty="0"/>
-              <a:t>Redux flow</a:t>
+              <a:t>React Context API vs Redux</a:t>
             </a:r>
             <a:endParaRPr dirty="0"/>
           </a:p>
@@ -5776,1375 +6221,6 @@
 </file>
 
 <file path=ppt/slides/slide3.xml><?xml version="1.0" encoding="utf-8"?>
-<p:sld xmlns:a="http://schemas.openxmlformats.org/drawingml/2006/main" xmlns:r="http://schemas.openxmlformats.org/officeDocument/2006/relationships" xmlns:p="http://schemas.openxmlformats.org/presentationml/2006/main">
-  <p:cSld>
-    <p:spTree>
-      <p:nvGrpSpPr>
-        <p:cNvPr id="1" name=""/>
-        <p:cNvGrpSpPr/>
-        <p:nvPr/>
-      </p:nvGrpSpPr>
-      <p:grpSpPr>
-        <a:xfrm>
-          <a:off x="0" y="0"/>
-          <a:ext cx="0" cy="0"/>
-          <a:chOff x="0" y="0"/>
-          <a:chExt cx="0" cy="0"/>
-        </a:xfrm>
-      </p:grpSpPr>
-      <p:sp>
-        <p:nvSpPr>
-          <p:cNvPr id="200" name="Slide Subtitle"/>
-          <p:cNvSpPr txBox="1">
-            <a:spLocks noGrp="1"/>
-          </p:cNvSpPr>
-          <p:nvPr>
-            <p:ph type="body" idx="21"/>
-          </p:nvPr>
-        </p:nvSpPr>
-        <p:spPr>
-          <a:prstGeom prst="rect">
-            <a:avLst/>
-          </a:prstGeom>
-        </p:spPr>
-        <p:txBody>
-          <a:bodyPr/>
-          <a:lstStyle/>
-          <a:p>
-            <a:pPr rtl="0">
-              <a:defRPr/>
-            </a:pPr>
-            <a:endParaRPr/>
-          </a:p>
-        </p:txBody>
-      </p:sp>
-      <p:sp>
-        <p:nvSpPr>
-          <p:cNvPr id="201" name="Slide bullet text"/>
-          <p:cNvSpPr txBox="1">
-            <a:spLocks noGrp="1"/>
-          </p:cNvSpPr>
-          <p:nvPr>
-            <p:ph type="body" sz="half" idx="1"/>
-          </p:nvPr>
-        </p:nvSpPr>
-        <p:spPr>
-          <a:prstGeom prst="rect">
-            <a:avLst/>
-          </a:prstGeom>
-        </p:spPr>
-        <p:txBody>
-          <a:bodyPr/>
-          <a:lstStyle/>
-          <a:p>
-            <a:pPr algn="l" rtl="0">
-              <a:defRPr/>
-            </a:pPr>
-            <a:r>
-              <a:rPr lang="en-US" b="0" i="0" dirty="0">
-                <a:solidFill>
-                  <a:schemeClr val="tx1">
-                    <a:lumMod val="50000"/>
-                  </a:schemeClr>
-                </a:solidFill>
-                <a:effectLst/>
-                <a:latin typeface="Helvetica" panose="020B0604020202020204" pitchFamily="34" charset="0"/>
-                <a:cs typeface="Helvetica" panose="020B0604020202020204" pitchFamily="34" charset="0"/>
-              </a:rPr>
-              <a:t>React allows component communication in the following ways:</a:t>
-            </a:r>
-          </a:p>
-          <a:p>
-            <a:pPr marL="0" indent="0" algn="l" rtl="0">
-              <a:buNone/>
-              <a:defRPr/>
-            </a:pPr>
-            <a:r>
-              <a:rPr lang="en-US" b="0" i="0" dirty="0">
-                <a:solidFill>
-                  <a:schemeClr val="tx1">
-                    <a:lumMod val="50000"/>
-                  </a:schemeClr>
-                </a:solidFill>
-                <a:effectLst/>
-                <a:latin typeface="Helvetica" panose="020B0604020202020204" pitchFamily="34" charset="0"/>
-                <a:cs typeface="Helvetica" panose="020B0604020202020204" pitchFamily="34" charset="0"/>
-              </a:rPr>
-              <a:t>1. Parent to Child:</a:t>
-            </a:r>
-          </a:p>
-          <a:p>
-            <a:pPr algn="l" rtl="0">
-              <a:defRPr/>
-            </a:pPr>
-            <a:endParaRPr lang="en-US" dirty="0">
-              <a:solidFill>
-                <a:schemeClr val="tx1">
-                  <a:lumMod val="50000"/>
-                </a:schemeClr>
-              </a:solidFill>
-              <a:latin typeface="Helvetica" panose="020B0604020202020204" pitchFamily="34" charset="0"/>
-              <a:cs typeface="Helvetica" panose="020B0604020202020204" pitchFamily="34" charset="0"/>
-            </a:endParaRPr>
-          </a:p>
-          <a:p>
-            <a:pPr algn="l" rtl="0">
-              <a:defRPr/>
-            </a:pPr>
-            <a:endParaRPr lang="en-US" b="0" i="0" dirty="0">
-              <a:solidFill>
-                <a:schemeClr val="tx1">
-                  <a:lumMod val="50000"/>
-                </a:schemeClr>
-              </a:solidFill>
-              <a:effectLst/>
-              <a:latin typeface="Helvetica" panose="020B0604020202020204" pitchFamily="34" charset="0"/>
-              <a:cs typeface="Helvetica" panose="020B0604020202020204" pitchFamily="34" charset="0"/>
-            </a:endParaRPr>
-          </a:p>
-          <a:p>
-            <a:pPr algn="l" rtl="0">
-              <a:defRPr/>
-            </a:pPr>
-            <a:endParaRPr lang="en-US" dirty="0">
-              <a:solidFill>
-                <a:schemeClr val="tx1">
-                  <a:lumMod val="50000"/>
-                </a:schemeClr>
-              </a:solidFill>
-              <a:latin typeface="Helvetica" panose="020B0604020202020204" pitchFamily="34" charset="0"/>
-              <a:cs typeface="Helvetica" panose="020B0604020202020204" pitchFamily="34" charset="0"/>
-            </a:endParaRPr>
-          </a:p>
-          <a:p>
-            <a:pPr marL="0" indent="0" algn="l" rtl="0">
-              <a:buNone/>
-              <a:defRPr/>
-            </a:pPr>
-            <a:endParaRPr lang="en-US" b="0" i="0" dirty="0">
-              <a:solidFill>
-                <a:schemeClr val="tx1">
-                  <a:lumMod val="50000"/>
-                </a:schemeClr>
-              </a:solidFill>
-              <a:effectLst/>
-              <a:latin typeface="Helvetica" panose="020B0604020202020204" pitchFamily="34" charset="0"/>
-              <a:cs typeface="Helvetica" panose="020B0604020202020204" pitchFamily="34" charset="0"/>
-            </a:endParaRPr>
-          </a:p>
-          <a:p>
-            <a:pPr lvl="1" algn="l" rtl="0">
-              <a:buFont typeface="Courier New" panose="02070309020205020404" pitchFamily="49" charset="0"/>
-              <a:buChar char="o"/>
-              <a:defRPr/>
-            </a:pPr>
-            <a:r>
-              <a:rPr lang="en-US" b="0" i="0" dirty="0">
-                <a:solidFill>
-                  <a:schemeClr val="tx1">
-                    <a:lumMod val="50000"/>
-                  </a:schemeClr>
-                </a:solidFill>
-                <a:effectLst/>
-                <a:latin typeface="Helvetica" panose="020B0604020202020204" pitchFamily="34" charset="0"/>
-                <a:cs typeface="Helvetica" panose="020B0604020202020204" pitchFamily="34" charset="0"/>
-              </a:rPr>
-              <a:t>Using Props:</a:t>
-            </a:r>
-          </a:p>
-          <a:p>
-            <a:pPr algn="l" rtl="0">
-              <a:defRPr/>
-            </a:pPr>
-            <a:endParaRPr lang="en-US" b="0" i="0" dirty="0">
-              <a:solidFill>
-                <a:schemeClr val="tx1">
-                  <a:lumMod val="50000"/>
-                </a:schemeClr>
-              </a:solidFill>
-              <a:effectLst/>
-              <a:latin typeface="Helvetica" panose="020B0604020202020204" pitchFamily="34" charset="0"/>
-              <a:cs typeface="Helvetica" panose="020B0604020202020204" pitchFamily="34" charset="0"/>
-            </a:endParaRPr>
-          </a:p>
-          <a:p>
-            <a:pPr algn="l" rtl="0">
-              <a:defRPr/>
-            </a:pPr>
-            <a:endParaRPr lang="en-US" b="0" i="0" dirty="0">
-              <a:solidFill>
-                <a:schemeClr val="tx1">
-                  <a:lumMod val="50000"/>
-                </a:schemeClr>
-              </a:solidFill>
-              <a:effectLst/>
-              <a:latin typeface="Helvetica" panose="020B0604020202020204" pitchFamily="34" charset="0"/>
-              <a:cs typeface="Helvetica" panose="020B0604020202020204" pitchFamily="34" charset="0"/>
-            </a:endParaRPr>
-          </a:p>
-        </p:txBody>
-      </p:sp>
-      <p:sp>
-        <p:nvSpPr>
-          <p:cNvPr id="203" name="Slide Title"/>
-          <p:cNvSpPr txBox="1">
-            <a:spLocks noGrp="1"/>
-          </p:cNvSpPr>
-          <p:nvPr>
-            <p:ph type="title"/>
-          </p:nvPr>
-        </p:nvSpPr>
-        <p:spPr>
-          <a:xfrm>
-            <a:off x="1206499" y="1079500"/>
-            <a:ext cx="13069337" cy="1435100"/>
-          </a:xfrm>
-          <a:prstGeom prst="rect">
-            <a:avLst/>
-          </a:prstGeom>
-        </p:spPr>
-        <p:txBody>
-          <a:bodyPr>
-            <a:normAutofit fontScale="90000"/>
-          </a:bodyPr>
-          <a:lstStyle/>
-          <a:p>
-            <a:pPr algn="l" rtl="0">
-              <a:defRPr/>
-            </a:pPr>
-            <a:r>
-              <a:rPr lang="en-US" dirty="0"/>
-              <a:t>Component </a:t>
-            </a:r>
-            <a:br>
-              <a:rPr lang="en-US" dirty="0"/>
-            </a:br>
-            <a:r>
-              <a:rPr lang="en-US" dirty="0"/>
-              <a:t>communication</a:t>
-            </a:r>
-            <a:endParaRPr dirty="0"/>
-          </a:p>
-        </p:txBody>
-      </p:sp>
-      <p:pic>
-        <p:nvPicPr>
-          <p:cNvPr id="4106" name="Picture 10">
-            <a:extLst>
-              <a:ext uri="{FF2B5EF4-FFF2-40B4-BE49-F238E27FC236}">
-                <a16:creationId xmlns:a16="http://schemas.microsoft.com/office/drawing/2014/main" id="{58702C4D-08C6-4E1E-80B6-166D3FD19FC6}"/>
-              </a:ext>
-            </a:extLst>
-          </p:cNvPr>
-          <p:cNvPicPr>
-            <a:picLocks noChangeAspect="1" noChangeArrowheads="1"/>
-          </p:cNvPicPr>
-          <p:nvPr/>
-        </p:nvPicPr>
-        <p:blipFill>
-          <a:blip r:embed="rId2">
-            <a:extLst>
-              <a:ext uri="{28A0092B-C50C-407E-A947-70E740481C1C}">
-                <a14:useLocalDpi xmlns:a14="http://schemas.microsoft.com/office/drawing/2010/main" val="0"/>
-              </a:ext>
-            </a:extLst>
-          </a:blip>
-          <a:srcRect/>
-          <a:stretch>
-            <a:fillRect/>
-          </a:stretch>
-        </p:blipFill>
-        <p:spPr bwMode="auto">
-          <a:xfrm>
-            <a:off x="4758752" y="5502864"/>
-            <a:ext cx="5964830" cy="4644203"/>
-          </a:xfrm>
-          <a:prstGeom prst="rect">
-            <a:avLst/>
-          </a:prstGeom>
-          <a:noFill/>
-          <a:extLst>
-            <a:ext uri="{909E8E84-426E-40DD-AFC4-6F175D3DCCD1}">
-              <a14:hiddenFill xmlns:a14="http://schemas.microsoft.com/office/drawing/2010/main">
-                <a:solidFill>
-                  <a:srgbClr val="FFFFFF"/>
-                </a:solidFill>
-              </a14:hiddenFill>
-            </a:ext>
-          </a:extLst>
-        </p:spPr>
-      </p:pic>
-      <p:pic>
-        <p:nvPicPr>
-          <p:cNvPr id="9" name="Picture 12">
-            <a:extLst>
-              <a:ext uri="{FF2B5EF4-FFF2-40B4-BE49-F238E27FC236}">
-                <a16:creationId xmlns:a16="http://schemas.microsoft.com/office/drawing/2014/main" id="{E2E94DB4-61B5-4268-8E21-EDCDBFCC910D}"/>
-              </a:ext>
-            </a:extLst>
-          </p:cNvPr>
-          <p:cNvPicPr>
-            <a:picLocks noGrp="1" noChangeAspect="1" noChangeArrowheads="1"/>
-          </p:cNvPicPr>
-          <p:nvPr>
-            <p:ph type="pic" sz="half" idx="22"/>
-          </p:nvPr>
-        </p:nvPicPr>
-        <p:blipFill>
-          <a:blip r:embed="rId3">
-            <a:extLst>
-              <a:ext uri="{28A0092B-C50C-407E-A947-70E740481C1C}">
-                <a14:useLocalDpi xmlns:a14="http://schemas.microsoft.com/office/drawing/2010/main" val="0"/>
-              </a:ext>
-            </a:extLst>
-          </a:blip>
-          <a:srcRect l="16852" r="16852"/>
-          <a:stretch>
-            <a:fillRect/>
-          </a:stretch>
-        </p:blipFill>
-        <p:spPr bwMode="auto">
-          <a:xfrm>
-            <a:off x="12193588" y="1401763"/>
-            <a:ext cx="10914062" cy="10912475"/>
-          </a:xfrm>
-          <a:prstGeom prst="rect">
-            <a:avLst/>
-          </a:prstGeom>
-          <a:noFill/>
-          <a:extLst>
-            <a:ext uri="{909E8E84-426E-40DD-AFC4-6F175D3DCCD1}">
-              <a14:hiddenFill xmlns:a14="http://schemas.microsoft.com/office/drawing/2010/main">
-                <a:solidFill>
-                  <a:srgbClr val="FFFFFF"/>
-                </a:solidFill>
-              </a14:hiddenFill>
-            </a:ext>
-          </a:extLst>
-        </p:spPr>
-      </p:pic>
-    </p:spTree>
-    <p:extLst>
-      <p:ext uri="{BB962C8B-B14F-4D97-AF65-F5344CB8AC3E}">
-        <p14:creationId xmlns:p14="http://schemas.microsoft.com/office/powerpoint/2010/main" val="1316536833"/>
-      </p:ext>
-    </p:extLst>
-  </p:cSld>
-  <p:clrMapOvr>
-    <a:masterClrMapping/>
-  </p:clrMapOvr>
-  <p:transition spd="med"/>
-</p:sld>
-</file>
-
-<file path=ppt/slides/slide4.xml><?xml version="1.0" encoding="utf-8"?>
-<p:sld xmlns:a="http://schemas.openxmlformats.org/drawingml/2006/main" xmlns:r="http://schemas.openxmlformats.org/officeDocument/2006/relationships" xmlns:p="http://schemas.openxmlformats.org/presentationml/2006/main">
-  <p:cSld>
-    <p:spTree>
-      <p:nvGrpSpPr>
-        <p:cNvPr id="1" name=""/>
-        <p:cNvGrpSpPr/>
-        <p:nvPr/>
-      </p:nvGrpSpPr>
-      <p:grpSpPr>
-        <a:xfrm>
-          <a:off x="0" y="0"/>
-          <a:ext cx="0" cy="0"/>
-          <a:chOff x="0" y="0"/>
-          <a:chExt cx="0" cy="0"/>
-        </a:xfrm>
-      </p:grpSpPr>
-      <p:sp>
-        <p:nvSpPr>
-          <p:cNvPr id="200" name="Slide Subtitle"/>
-          <p:cNvSpPr txBox="1">
-            <a:spLocks noGrp="1"/>
-          </p:cNvSpPr>
-          <p:nvPr>
-            <p:ph type="body" idx="21"/>
-          </p:nvPr>
-        </p:nvSpPr>
-        <p:spPr>
-          <a:prstGeom prst="rect">
-            <a:avLst/>
-          </a:prstGeom>
-        </p:spPr>
-        <p:txBody>
-          <a:bodyPr/>
-          <a:lstStyle/>
-          <a:p>
-            <a:pPr rtl="0">
-              <a:defRPr/>
-            </a:pPr>
-            <a:endParaRPr/>
-          </a:p>
-        </p:txBody>
-      </p:sp>
-      <p:sp>
-        <p:nvSpPr>
-          <p:cNvPr id="201" name="Slide bullet text"/>
-          <p:cNvSpPr txBox="1">
-            <a:spLocks noGrp="1"/>
-          </p:cNvSpPr>
-          <p:nvPr>
-            <p:ph type="body" sz="half" idx="1"/>
-          </p:nvPr>
-        </p:nvSpPr>
-        <p:spPr>
-          <a:prstGeom prst="rect">
-            <a:avLst/>
-          </a:prstGeom>
-        </p:spPr>
-        <p:txBody>
-          <a:bodyPr/>
-          <a:lstStyle/>
-          <a:p>
-            <a:pPr lvl="1" algn="l" rtl="0">
-              <a:buFont typeface="Courier New" panose="02070309020205020404" pitchFamily="49" charset="0"/>
-              <a:buChar char="o"/>
-              <a:defRPr/>
-            </a:pPr>
-            <a:r>
-              <a:rPr lang="en-US" b="0" i="0" dirty="0">
-                <a:solidFill>
-                  <a:srgbClr val="292929"/>
-                </a:solidFill>
-                <a:effectLst/>
-                <a:latin typeface="Helvetica" panose="020B0604020202020204" pitchFamily="34" charset="0"/>
-                <a:cs typeface="Helvetica" panose="020B0604020202020204" pitchFamily="34" charset="0"/>
-              </a:rPr>
-              <a:t>Using the Instance method</a:t>
-            </a:r>
-            <a:endParaRPr lang="en-US" b="0" i="0" dirty="0">
-              <a:solidFill>
-                <a:schemeClr val="tx1">
-                  <a:lumMod val="50000"/>
-                </a:schemeClr>
-              </a:solidFill>
-              <a:effectLst/>
-              <a:latin typeface="Helvetica" panose="020B0604020202020204" pitchFamily="34" charset="0"/>
-              <a:cs typeface="Helvetica" panose="020B0604020202020204" pitchFamily="34" charset="0"/>
-            </a:endParaRPr>
-          </a:p>
-          <a:p>
-            <a:pPr algn="l" rtl="0">
-              <a:defRPr/>
-            </a:pPr>
-            <a:endParaRPr lang="en-US" b="0" i="0" dirty="0">
-              <a:solidFill>
-                <a:schemeClr val="tx1">
-                  <a:lumMod val="50000"/>
-                </a:schemeClr>
-              </a:solidFill>
-              <a:effectLst/>
-              <a:latin typeface="Helvetica" panose="020B0604020202020204" pitchFamily="34" charset="0"/>
-              <a:cs typeface="Helvetica" panose="020B0604020202020204" pitchFamily="34" charset="0"/>
-            </a:endParaRPr>
-          </a:p>
-          <a:p>
-            <a:pPr algn="l" rtl="0">
-              <a:defRPr/>
-            </a:pPr>
-            <a:endParaRPr lang="en-US" b="0" i="0" dirty="0">
-              <a:solidFill>
-                <a:schemeClr val="tx1">
-                  <a:lumMod val="50000"/>
-                </a:schemeClr>
-              </a:solidFill>
-              <a:effectLst/>
-              <a:latin typeface="Helvetica" panose="020B0604020202020204" pitchFamily="34" charset="0"/>
-              <a:cs typeface="Helvetica" panose="020B0604020202020204" pitchFamily="34" charset="0"/>
-            </a:endParaRPr>
-          </a:p>
-        </p:txBody>
-      </p:sp>
-      <p:sp>
-        <p:nvSpPr>
-          <p:cNvPr id="203" name="Slide Title"/>
-          <p:cNvSpPr txBox="1">
-            <a:spLocks noGrp="1"/>
-          </p:cNvSpPr>
-          <p:nvPr>
-            <p:ph type="title"/>
-          </p:nvPr>
-        </p:nvSpPr>
-        <p:spPr>
-          <a:xfrm>
-            <a:off x="1206499" y="1079500"/>
-            <a:ext cx="13069337" cy="1435100"/>
-          </a:xfrm>
-          <a:prstGeom prst="rect">
-            <a:avLst/>
-          </a:prstGeom>
-        </p:spPr>
-        <p:txBody>
-          <a:bodyPr>
-            <a:normAutofit fontScale="90000"/>
-          </a:bodyPr>
-          <a:lstStyle/>
-          <a:p>
-            <a:pPr algn="l" rtl="0">
-              <a:defRPr/>
-            </a:pPr>
-            <a:r>
-              <a:rPr lang="en-US" dirty="0"/>
-              <a:t>Component </a:t>
-            </a:r>
-            <a:br>
-              <a:rPr lang="en-US" dirty="0"/>
-            </a:br>
-            <a:r>
-              <a:rPr lang="en-US" dirty="0"/>
-              <a:t>communication</a:t>
-            </a:r>
-            <a:endParaRPr dirty="0"/>
-          </a:p>
-        </p:txBody>
-      </p:sp>
-      <p:pic>
-        <p:nvPicPr>
-          <p:cNvPr id="9226" name="Picture 10">
-            <a:extLst>
-              <a:ext uri="{FF2B5EF4-FFF2-40B4-BE49-F238E27FC236}">
-                <a16:creationId xmlns:a16="http://schemas.microsoft.com/office/drawing/2014/main" id="{5C5F4251-7796-45E5-866F-4C35291E41C3}"/>
-              </a:ext>
-            </a:extLst>
-          </p:cNvPr>
-          <p:cNvPicPr>
-            <a:picLocks noGrp="1" noChangeAspect="1" noChangeArrowheads="1"/>
-          </p:cNvPicPr>
-          <p:nvPr>
-            <p:ph type="pic" sz="half" idx="22"/>
-          </p:nvPr>
-        </p:nvPicPr>
-        <p:blipFill>
-          <a:blip r:embed="rId2">
-            <a:extLst>
-              <a:ext uri="{28A0092B-C50C-407E-A947-70E740481C1C}">
-                <a14:useLocalDpi xmlns:a14="http://schemas.microsoft.com/office/drawing/2010/main" val="0"/>
-              </a:ext>
-            </a:extLst>
-          </a:blip>
-          <a:srcRect l="2287" r="2287"/>
-          <a:stretch>
-            <a:fillRect/>
-          </a:stretch>
-        </p:blipFill>
-        <p:spPr bwMode="auto">
-          <a:prstGeom prst="rect">
-            <a:avLst/>
-          </a:prstGeom>
-          <a:noFill/>
-          <a:extLst>
-            <a:ext uri="{909E8E84-426E-40DD-AFC4-6F175D3DCCD1}">
-              <a14:hiddenFill xmlns:a14="http://schemas.microsoft.com/office/drawing/2010/main">
-                <a:solidFill>
-                  <a:srgbClr val="FFFFFF"/>
-                </a:solidFill>
-              </a14:hiddenFill>
-            </a:ext>
-          </a:extLst>
-        </p:spPr>
-      </p:pic>
-    </p:spTree>
-    <p:extLst>
-      <p:ext uri="{BB962C8B-B14F-4D97-AF65-F5344CB8AC3E}">
-        <p14:creationId xmlns:p14="http://schemas.microsoft.com/office/powerpoint/2010/main" val="1307802148"/>
-      </p:ext>
-    </p:extLst>
-  </p:cSld>
-  <p:clrMapOvr>
-    <a:masterClrMapping/>
-  </p:clrMapOvr>
-  <p:transition spd="med"/>
-</p:sld>
-</file>
-
-<file path=ppt/slides/slide5.xml><?xml version="1.0" encoding="utf-8"?>
-<p:sld xmlns:a="http://schemas.openxmlformats.org/drawingml/2006/main" xmlns:r="http://schemas.openxmlformats.org/officeDocument/2006/relationships" xmlns:p="http://schemas.openxmlformats.org/presentationml/2006/main">
-  <p:cSld>
-    <p:spTree>
-      <p:nvGrpSpPr>
-        <p:cNvPr id="1" name=""/>
-        <p:cNvGrpSpPr/>
-        <p:nvPr/>
-      </p:nvGrpSpPr>
-      <p:grpSpPr>
-        <a:xfrm>
-          <a:off x="0" y="0"/>
-          <a:ext cx="0" cy="0"/>
-          <a:chOff x="0" y="0"/>
-          <a:chExt cx="0" cy="0"/>
-        </a:xfrm>
-      </p:grpSpPr>
-      <p:sp>
-        <p:nvSpPr>
-          <p:cNvPr id="200" name="Slide Subtitle"/>
-          <p:cNvSpPr txBox="1">
-            <a:spLocks noGrp="1"/>
-          </p:cNvSpPr>
-          <p:nvPr>
-            <p:ph type="body" idx="21"/>
-          </p:nvPr>
-        </p:nvSpPr>
-        <p:spPr>
-          <a:prstGeom prst="rect">
-            <a:avLst/>
-          </a:prstGeom>
-        </p:spPr>
-        <p:txBody>
-          <a:bodyPr/>
-          <a:lstStyle/>
-          <a:p>
-            <a:pPr rtl="0">
-              <a:defRPr/>
-            </a:pPr>
-            <a:endParaRPr/>
-          </a:p>
-        </p:txBody>
-      </p:sp>
-      <p:sp>
-        <p:nvSpPr>
-          <p:cNvPr id="201" name="Slide bullet text"/>
-          <p:cNvSpPr txBox="1">
-            <a:spLocks noGrp="1"/>
-          </p:cNvSpPr>
-          <p:nvPr>
-            <p:ph type="body" sz="half" idx="1"/>
-          </p:nvPr>
-        </p:nvSpPr>
-        <p:spPr>
-          <a:prstGeom prst="rect">
-            <a:avLst/>
-          </a:prstGeom>
-        </p:spPr>
-        <p:txBody>
-          <a:bodyPr/>
-          <a:lstStyle/>
-          <a:p>
-            <a:pPr marL="0" indent="0" algn="l" rtl="0">
-              <a:buNone/>
-            </a:pPr>
-            <a:r>
-              <a:rPr lang="en-US" b="0" i="0" dirty="0">
-                <a:solidFill>
-                  <a:srgbClr val="292929"/>
-                </a:solidFill>
-                <a:effectLst/>
-                <a:latin typeface="Helvetica" panose="020B0604020202020204" pitchFamily="34" charset="0"/>
-                <a:cs typeface="Helvetica" panose="020B0604020202020204" pitchFamily="34" charset="0"/>
-              </a:rPr>
-              <a:t>2. Child to Parent</a:t>
-            </a:r>
-          </a:p>
-          <a:p>
-            <a:pPr algn="l" rtl="0">
-              <a:defRPr/>
-            </a:pPr>
-            <a:endParaRPr lang="en-US" b="0" i="0" dirty="0">
-              <a:solidFill>
-                <a:schemeClr val="tx1">
-                  <a:lumMod val="50000"/>
-                </a:schemeClr>
-              </a:solidFill>
-              <a:effectLst/>
-              <a:latin typeface="Helvetica" panose="020B0604020202020204" pitchFamily="34" charset="0"/>
-              <a:cs typeface="Helvetica" panose="020B0604020202020204" pitchFamily="34" charset="0"/>
-            </a:endParaRPr>
-          </a:p>
-          <a:p>
-            <a:pPr algn="l" rtl="0">
-              <a:defRPr/>
-            </a:pPr>
-            <a:endParaRPr lang="en-US" dirty="0">
-              <a:solidFill>
-                <a:schemeClr val="tx1">
-                  <a:lumMod val="50000"/>
-                </a:schemeClr>
-              </a:solidFill>
-              <a:latin typeface="Helvetica" panose="020B0604020202020204" pitchFamily="34" charset="0"/>
-              <a:cs typeface="Helvetica" panose="020B0604020202020204" pitchFamily="34" charset="0"/>
-            </a:endParaRPr>
-          </a:p>
-          <a:p>
-            <a:pPr algn="l" rtl="0">
-              <a:defRPr/>
-            </a:pPr>
-            <a:endParaRPr lang="en-US" b="0" i="0" dirty="0">
-              <a:solidFill>
-                <a:schemeClr val="tx1">
-                  <a:lumMod val="50000"/>
-                </a:schemeClr>
-              </a:solidFill>
-              <a:effectLst/>
-              <a:latin typeface="Helvetica" panose="020B0604020202020204" pitchFamily="34" charset="0"/>
-              <a:cs typeface="Helvetica" panose="020B0604020202020204" pitchFamily="34" charset="0"/>
-            </a:endParaRPr>
-          </a:p>
-          <a:p>
-            <a:pPr algn="l" rtl="0">
-              <a:defRPr/>
-            </a:pPr>
-            <a:endParaRPr lang="en-US" dirty="0">
-              <a:solidFill>
-                <a:schemeClr val="tx1">
-                  <a:lumMod val="50000"/>
-                </a:schemeClr>
-              </a:solidFill>
-              <a:latin typeface="Helvetica" panose="020B0604020202020204" pitchFamily="34" charset="0"/>
-              <a:cs typeface="Helvetica" panose="020B0604020202020204" pitchFamily="34" charset="0"/>
-            </a:endParaRPr>
-          </a:p>
-          <a:p>
-            <a:pPr algn="l" rtl="0">
-              <a:buFont typeface="+mj-lt"/>
-              <a:buAutoNum type="arabicPeriod"/>
-            </a:pPr>
-            <a:r>
-              <a:rPr lang="en-US" b="0" i="0" dirty="0">
-                <a:solidFill>
-                  <a:srgbClr val="292929"/>
-                </a:solidFill>
-                <a:effectLst/>
-                <a:latin typeface="Helvetica" panose="020B0604020202020204" pitchFamily="34" charset="0"/>
-                <a:cs typeface="Helvetica" panose="020B0604020202020204" pitchFamily="34" charset="0"/>
-              </a:rPr>
-              <a:t>Create a callback method in parent and pass it to the child using props.</a:t>
-            </a:r>
-          </a:p>
-          <a:p>
-            <a:pPr algn="l" rtl="0">
-              <a:buFont typeface="+mj-lt"/>
-              <a:buAutoNum type="arabicPeriod"/>
-            </a:pPr>
-            <a:r>
-              <a:rPr lang="en-US" b="0" i="0" dirty="0">
-                <a:solidFill>
-                  <a:srgbClr val="292929"/>
-                </a:solidFill>
-                <a:effectLst/>
-                <a:latin typeface="Helvetica" panose="020B0604020202020204" pitchFamily="34" charset="0"/>
-                <a:cs typeface="Helvetica" panose="020B0604020202020204" pitchFamily="34" charset="0"/>
-              </a:rPr>
-              <a:t>Child can call this method using “</a:t>
-            </a:r>
-            <a:r>
-              <a:rPr lang="en-US" b="1" i="0" dirty="0" err="1">
-                <a:solidFill>
-                  <a:srgbClr val="292929"/>
-                </a:solidFill>
-                <a:effectLst/>
-                <a:latin typeface="Helvetica" panose="020B0604020202020204" pitchFamily="34" charset="0"/>
-                <a:cs typeface="Helvetica" panose="020B0604020202020204" pitchFamily="34" charset="0"/>
-              </a:rPr>
-              <a:t>this.props</a:t>
-            </a:r>
-            <a:r>
-              <a:rPr lang="en-US" b="1" i="0" dirty="0">
-                <a:solidFill>
-                  <a:srgbClr val="292929"/>
-                </a:solidFill>
-                <a:effectLst/>
-                <a:latin typeface="Helvetica" panose="020B0604020202020204" pitchFamily="34" charset="0"/>
-                <a:cs typeface="Helvetica" panose="020B0604020202020204" pitchFamily="34" charset="0"/>
-              </a:rPr>
-              <a:t>.[</a:t>
-            </a:r>
-            <a:r>
-              <a:rPr lang="en-US" b="1" i="0" dirty="0" err="1">
-                <a:solidFill>
-                  <a:srgbClr val="292929"/>
-                </a:solidFill>
-                <a:effectLst/>
-                <a:latin typeface="Helvetica" panose="020B0604020202020204" pitchFamily="34" charset="0"/>
-                <a:cs typeface="Helvetica" panose="020B0604020202020204" pitchFamily="34" charset="0"/>
-              </a:rPr>
-              <a:t>yourCallbackName</a:t>
-            </a:r>
-            <a:r>
-              <a:rPr lang="en-US" b="1" i="0" dirty="0">
-                <a:solidFill>
-                  <a:srgbClr val="292929"/>
-                </a:solidFill>
-                <a:effectLst/>
-                <a:latin typeface="Helvetica" panose="020B0604020202020204" pitchFamily="34" charset="0"/>
-                <a:cs typeface="Helvetica" panose="020B0604020202020204" pitchFamily="34" charset="0"/>
-              </a:rPr>
-              <a:t>]</a:t>
-            </a:r>
-            <a:r>
-              <a:rPr lang="en-US" b="0" i="0" dirty="0">
-                <a:solidFill>
-                  <a:srgbClr val="292929"/>
-                </a:solidFill>
-                <a:effectLst/>
-                <a:latin typeface="Helvetica" panose="020B0604020202020204" pitchFamily="34" charset="0"/>
-                <a:cs typeface="Helvetica" panose="020B0604020202020204" pitchFamily="34" charset="0"/>
-              </a:rPr>
-              <a:t>” form child and pass data as argument.</a:t>
-            </a:r>
-          </a:p>
-          <a:p>
-            <a:pPr algn="l" rtl="0">
-              <a:defRPr/>
-            </a:pPr>
-            <a:endParaRPr lang="en-US" b="0" i="0" dirty="0">
-              <a:solidFill>
-                <a:schemeClr val="tx1">
-                  <a:lumMod val="50000"/>
-                </a:schemeClr>
-              </a:solidFill>
-              <a:effectLst/>
-              <a:latin typeface="Helvetica" panose="020B0604020202020204" pitchFamily="34" charset="0"/>
-              <a:cs typeface="Helvetica" panose="020B0604020202020204" pitchFamily="34" charset="0"/>
-            </a:endParaRPr>
-          </a:p>
-          <a:p>
-            <a:pPr algn="l" rtl="0">
-              <a:defRPr/>
-            </a:pPr>
-            <a:endParaRPr lang="en-US" b="0" i="0" dirty="0">
-              <a:solidFill>
-                <a:schemeClr val="tx1">
-                  <a:lumMod val="50000"/>
-                </a:schemeClr>
-              </a:solidFill>
-              <a:effectLst/>
-              <a:latin typeface="Helvetica" panose="020B0604020202020204" pitchFamily="34" charset="0"/>
-              <a:cs typeface="Helvetica" panose="020B0604020202020204" pitchFamily="34" charset="0"/>
-            </a:endParaRPr>
-          </a:p>
-        </p:txBody>
-      </p:sp>
-      <p:sp>
-        <p:nvSpPr>
-          <p:cNvPr id="203" name="Slide Title"/>
-          <p:cNvSpPr txBox="1">
-            <a:spLocks noGrp="1"/>
-          </p:cNvSpPr>
-          <p:nvPr>
-            <p:ph type="title"/>
-          </p:nvPr>
-        </p:nvSpPr>
-        <p:spPr>
-          <a:xfrm>
-            <a:off x="1206499" y="1079500"/>
-            <a:ext cx="13069337" cy="1435100"/>
-          </a:xfrm>
-          <a:prstGeom prst="rect">
-            <a:avLst/>
-          </a:prstGeom>
-        </p:spPr>
-        <p:txBody>
-          <a:bodyPr>
-            <a:normAutofit fontScale="90000"/>
-          </a:bodyPr>
-          <a:lstStyle/>
-          <a:p>
-            <a:pPr algn="l" rtl="0">
-              <a:defRPr/>
-            </a:pPr>
-            <a:r>
-              <a:rPr lang="en-US" dirty="0"/>
-              <a:t>Component </a:t>
-            </a:r>
-            <a:br>
-              <a:rPr lang="en-US" dirty="0"/>
-            </a:br>
-            <a:r>
-              <a:rPr lang="en-US" dirty="0"/>
-              <a:t>communication</a:t>
-            </a:r>
-            <a:endParaRPr dirty="0"/>
-          </a:p>
-        </p:txBody>
-      </p:sp>
-      <p:pic>
-        <p:nvPicPr>
-          <p:cNvPr id="12290" name="Picture 2">
-            <a:extLst>
-              <a:ext uri="{FF2B5EF4-FFF2-40B4-BE49-F238E27FC236}">
-                <a16:creationId xmlns:a16="http://schemas.microsoft.com/office/drawing/2014/main" id="{2DB4C02A-8E46-4603-BAEB-C24A5717EDC7}"/>
-              </a:ext>
-            </a:extLst>
-          </p:cNvPr>
-          <p:cNvPicPr>
-            <a:picLocks noChangeAspect="1" noChangeArrowheads="1"/>
-          </p:cNvPicPr>
-          <p:nvPr/>
-        </p:nvPicPr>
-        <p:blipFill>
-          <a:blip r:embed="rId2">
-            <a:extLst>
-              <a:ext uri="{28A0092B-C50C-407E-A947-70E740481C1C}">
-                <a14:useLocalDpi xmlns:a14="http://schemas.microsoft.com/office/drawing/2010/main" val="0"/>
-              </a:ext>
-            </a:extLst>
-          </a:blip>
-          <a:srcRect/>
-          <a:stretch>
-            <a:fillRect/>
-          </a:stretch>
-        </p:blipFill>
-        <p:spPr bwMode="auto">
-          <a:xfrm>
-            <a:off x="4609323" y="4248504"/>
-            <a:ext cx="5663585" cy="4409655"/>
-          </a:xfrm>
-          <a:prstGeom prst="rect">
-            <a:avLst/>
-          </a:prstGeom>
-          <a:noFill/>
-          <a:extLst>
-            <a:ext uri="{909E8E84-426E-40DD-AFC4-6F175D3DCCD1}">
-              <a14:hiddenFill xmlns:a14="http://schemas.microsoft.com/office/drawing/2010/main">
-                <a:solidFill>
-                  <a:srgbClr val="FFFFFF"/>
-                </a:solidFill>
-              </a14:hiddenFill>
-            </a:ext>
-          </a:extLst>
-        </p:spPr>
-      </p:pic>
-      <p:pic>
-        <p:nvPicPr>
-          <p:cNvPr id="12294" name="Picture 6">
-            <a:extLst>
-              <a:ext uri="{FF2B5EF4-FFF2-40B4-BE49-F238E27FC236}">
-                <a16:creationId xmlns:a16="http://schemas.microsoft.com/office/drawing/2014/main" id="{E67FAF81-1A89-4F1D-B94F-88DB112855BE}"/>
-              </a:ext>
-            </a:extLst>
-          </p:cNvPr>
-          <p:cNvPicPr>
-            <a:picLocks noGrp="1" noChangeAspect="1" noChangeArrowheads="1"/>
-          </p:cNvPicPr>
-          <p:nvPr>
-            <p:ph type="pic" sz="half" idx="22"/>
-          </p:nvPr>
-        </p:nvPicPr>
-        <p:blipFill>
-          <a:blip r:embed="rId3">
-            <a:extLst>
-              <a:ext uri="{28A0092B-C50C-407E-A947-70E740481C1C}">
-                <a14:useLocalDpi xmlns:a14="http://schemas.microsoft.com/office/drawing/2010/main" val="0"/>
-              </a:ext>
-            </a:extLst>
-          </a:blip>
-          <a:srcRect l="2764" r="2764"/>
-          <a:stretch>
-            <a:fillRect/>
-          </a:stretch>
-        </p:blipFill>
-        <p:spPr bwMode="auto">
-          <a:prstGeom prst="rect">
-            <a:avLst/>
-          </a:prstGeom>
-          <a:noFill/>
-          <a:extLst>
-            <a:ext uri="{909E8E84-426E-40DD-AFC4-6F175D3DCCD1}">
-              <a14:hiddenFill xmlns:a14="http://schemas.microsoft.com/office/drawing/2010/main">
-                <a:solidFill>
-                  <a:srgbClr val="FFFFFF"/>
-                </a:solidFill>
-              </a14:hiddenFill>
-            </a:ext>
-          </a:extLst>
-        </p:spPr>
-      </p:pic>
-    </p:spTree>
-    <p:extLst>
-      <p:ext uri="{BB962C8B-B14F-4D97-AF65-F5344CB8AC3E}">
-        <p14:creationId xmlns:p14="http://schemas.microsoft.com/office/powerpoint/2010/main" val="2371289569"/>
-      </p:ext>
-    </p:extLst>
-  </p:cSld>
-  <p:clrMapOvr>
-    <a:masterClrMapping/>
-  </p:clrMapOvr>
-  <p:transition spd="med"/>
-</p:sld>
-</file>
-
-<file path=ppt/slides/slide6.xml><?xml version="1.0" encoding="utf-8"?>
-<p:sld xmlns:a="http://schemas.openxmlformats.org/drawingml/2006/main" xmlns:r="http://schemas.openxmlformats.org/officeDocument/2006/relationships" xmlns:p="http://schemas.openxmlformats.org/presentationml/2006/main">
-  <p:cSld>
-    <p:spTree>
-      <p:nvGrpSpPr>
-        <p:cNvPr id="1" name=""/>
-        <p:cNvGrpSpPr/>
-        <p:nvPr/>
-      </p:nvGrpSpPr>
-      <p:grpSpPr>
-        <a:xfrm>
-          <a:off x="0" y="0"/>
-          <a:ext cx="0" cy="0"/>
-          <a:chOff x="0" y="0"/>
-          <a:chExt cx="0" cy="0"/>
-        </a:xfrm>
-      </p:grpSpPr>
-      <p:sp>
-        <p:nvSpPr>
-          <p:cNvPr id="200" name="Slide Subtitle"/>
-          <p:cNvSpPr txBox="1">
-            <a:spLocks noGrp="1"/>
-          </p:cNvSpPr>
-          <p:nvPr>
-            <p:ph type="body" idx="21"/>
-          </p:nvPr>
-        </p:nvSpPr>
-        <p:spPr>
-          <a:prstGeom prst="rect">
-            <a:avLst/>
-          </a:prstGeom>
-        </p:spPr>
-        <p:txBody>
-          <a:bodyPr/>
-          <a:lstStyle/>
-          <a:p>
-            <a:pPr rtl="0">
-              <a:defRPr/>
-            </a:pPr>
-            <a:endParaRPr/>
-          </a:p>
-        </p:txBody>
-      </p:sp>
-      <p:sp>
-        <p:nvSpPr>
-          <p:cNvPr id="201" name="Slide bullet text"/>
-          <p:cNvSpPr txBox="1">
-            <a:spLocks noGrp="1"/>
-          </p:cNvSpPr>
-          <p:nvPr>
-            <p:ph type="body" sz="half" idx="1"/>
-          </p:nvPr>
-        </p:nvSpPr>
-        <p:spPr>
-          <a:xfrm>
-            <a:off x="1206499" y="4248504"/>
-            <a:ext cx="21900623" cy="8256630"/>
-          </a:xfrm>
-          <a:prstGeom prst="rect">
-            <a:avLst/>
-          </a:prstGeom>
-        </p:spPr>
-        <p:txBody>
-          <a:bodyPr>
-            <a:normAutofit/>
-          </a:bodyPr>
-          <a:lstStyle/>
-          <a:p>
-            <a:pPr marL="0" indent="0" algn="l" rtl="0">
-              <a:buNone/>
-            </a:pPr>
-            <a:r>
-              <a:rPr lang="en-US" b="0" i="0" dirty="0">
-                <a:solidFill>
-                  <a:srgbClr val="292929"/>
-                </a:solidFill>
-                <a:effectLst/>
-                <a:latin typeface="Helvetica" panose="020B0604020202020204" pitchFamily="34" charset="0"/>
-                <a:cs typeface="Helvetica" panose="020B0604020202020204" pitchFamily="34" charset="0"/>
-              </a:rPr>
-              <a:t>3. Communication between Sibling / Any components:</a:t>
-            </a:r>
-          </a:p>
-          <a:p>
-            <a:pPr algn="l" rtl="0"/>
-            <a:endParaRPr lang="en-US" dirty="0">
-              <a:solidFill>
-                <a:srgbClr val="292929"/>
-              </a:solidFill>
-              <a:latin typeface="Helvetica" panose="020B0604020202020204" pitchFamily="34" charset="0"/>
-              <a:cs typeface="Helvetica" panose="020B0604020202020204" pitchFamily="34" charset="0"/>
-            </a:endParaRPr>
-          </a:p>
-          <a:p>
-            <a:pPr algn="l" rtl="0"/>
-            <a:endParaRPr lang="en-US" b="0" i="0" dirty="0">
-              <a:solidFill>
-                <a:srgbClr val="292929"/>
-              </a:solidFill>
-              <a:effectLst/>
-              <a:latin typeface="Helvetica" panose="020B0604020202020204" pitchFamily="34" charset="0"/>
-              <a:cs typeface="Helvetica" panose="020B0604020202020204" pitchFamily="34" charset="0"/>
-            </a:endParaRPr>
-          </a:p>
-          <a:p>
-            <a:pPr algn="l" rtl="0"/>
-            <a:endParaRPr lang="en-US" dirty="0">
-              <a:solidFill>
-                <a:srgbClr val="292929"/>
-              </a:solidFill>
-              <a:latin typeface="Helvetica" panose="020B0604020202020204" pitchFamily="34" charset="0"/>
-              <a:cs typeface="Helvetica" panose="020B0604020202020204" pitchFamily="34" charset="0"/>
-            </a:endParaRPr>
-          </a:p>
-          <a:p>
-            <a:pPr algn="l" rtl="0"/>
-            <a:endParaRPr lang="en-US" b="0" i="0" dirty="0">
-              <a:solidFill>
-                <a:srgbClr val="292929"/>
-              </a:solidFill>
-              <a:effectLst/>
-              <a:latin typeface="Helvetica" panose="020B0604020202020204" pitchFamily="34" charset="0"/>
-              <a:cs typeface="Helvetica" panose="020B0604020202020204" pitchFamily="34" charset="0"/>
-            </a:endParaRPr>
-          </a:p>
-          <a:p>
-            <a:pPr marL="0" indent="0" algn="l" rtl="0">
-              <a:buNone/>
-            </a:pPr>
-            <a:endParaRPr lang="en-US" b="0" i="0" dirty="0">
-              <a:solidFill>
-                <a:srgbClr val="292929"/>
-              </a:solidFill>
-              <a:effectLst/>
-              <a:latin typeface="Helvetica" panose="020B0604020202020204" pitchFamily="34" charset="0"/>
-              <a:cs typeface="Helvetica" panose="020B0604020202020204" pitchFamily="34" charset="0"/>
-            </a:endParaRPr>
-          </a:p>
-          <a:p>
-            <a:pPr algn="l" rtl="0"/>
-            <a:r>
-              <a:rPr lang="en-US" b="0" i="0" dirty="0">
-                <a:solidFill>
-                  <a:srgbClr val="292929"/>
-                </a:solidFill>
-                <a:effectLst/>
-                <a:latin typeface="Helvetica" panose="020B0604020202020204" pitchFamily="34" charset="0"/>
-                <a:cs typeface="Helvetica" panose="020B0604020202020204" pitchFamily="34" charset="0"/>
-              </a:rPr>
-              <a:t>React support one-way data flow. In order to send data from </a:t>
-            </a:r>
-            <a:r>
-              <a:rPr lang="en-US" b="1" i="0" dirty="0">
-                <a:solidFill>
-                  <a:srgbClr val="292929"/>
-                </a:solidFill>
-                <a:effectLst/>
-                <a:latin typeface="Helvetica" panose="020B0604020202020204" pitchFamily="34" charset="0"/>
-                <a:cs typeface="Helvetica" panose="020B0604020202020204" pitchFamily="34" charset="0"/>
-              </a:rPr>
-              <a:t>sibling 1</a:t>
-            </a:r>
-            <a:r>
-              <a:rPr lang="en-US" b="0" i="0" dirty="0">
-                <a:solidFill>
-                  <a:srgbClr val="292929"/>
-                </a:solidFill>
-                <a:effectLst/>
-                <a:latin typeface="Helvetica" panose="020B0604020202020204" pitchFamily="34" charset="0"/>
-                <a:cs typeface="Helvetica" panose="020B0604020202020204" pitchFamily="34" charset="0"/>
-              </a:rPr>
-              <a:t> to </a:t>
-            </a:r>
-            <a:r>
-              <a:rPr lang="en-US" b="1" i="0" dirty="0">
-                <a:solidFill>
-                  <a:srgbClr val="292929"/>
-                </a:solidFill>
-                <a:effectLst/>
-                <a:latin typeface="Helvetica" panose="020B0604020202020204" pitchFamily="34" charset="0"/>
-                <a:cs typeface="Helvetica" panose="020B0604020202020204" pitchFamily="34" charset="0"/>
-              </a:rPr>
-              <a:t>sibling 2, </a:t>
-            </a:r>
-            <a:r>
-              <a:rPr lang="en-US" b="0" i="0" dirty="0">
-                <a:solidFill>
-                  <a:srgbClr val="292929"/>
-                </a:solidFill>
-                <a:effectLst/>
-                <a:latin typeface="Helvetica" panose="020B0604020202020204" pitchFamily="34" charset="0"/>
-                <a:cs typeface="Helvetica" panose="020B0604020202020204" pitchFamily="34" charset="0"/>
-              </a:rPr>
-              <a:t>you have to send data to </a:t>
-            </a:r>
-            <a:r>
-              <a:rPr lang="en-US" b="1" i="0" dirty="0">
-                <a:solidFill>
-                  <a:srgbClr val="292929"/>
-                </a:solidFill>
-                <a:effectLst/>
-                <a:latin typeface="Helvetica" panose="020B0604020202020204" pitchFamily="34" charset="0"/>
-                <a:cs typeface="Helvetica" panose="020B0604020202020204" pitchFamily="34" charset="0"/>
-              </a:rPr>
-              <a:t>parent </a:t>
-            </a:r>
-            <a:r>
-              <a:rPr lang="en-US" b="0" i="0" dirty="0">
-                <a:solidFill>
-                  <a:srgbClr val="292929"/>
-                </a:solidFill>
-                <a:effectLst/>
-                <a:latin typeface="Helvetica" panose="020B0604020202020204" pitchFamily="34" charset="0"/>
-                <a:cs typeface="Helvetica" panose="020B0604020202020204" pitchFamily="34" charset="0"/>
-              </a:rPr>
-              <a:t>and then from </a:t>
-            </a:r>
-            <a:r>
-              <a:rPr lang="en-US" b="1" i="0" dirty="0">
-                <a:solidFill>
-                  <a:srgbClr val="292929"/>
-                </a:solidFill>
-                <a:effectLst/>
-                <a:latin typeface="Helvetica" panose="020B0604020202020204" pitchFamily="34" charset="0"/>
-                <a:cs typeface="Helvetica" panose="020B0604020202020204" pitchFamily="34" charset="0"/>
-              </a:rPr>
-              <a:t>parent </a:t>
-            </a:r>
-            <a:r>
-              <a:rPr lang="en-US" b="0" i="0" dirty="0">
-                <a:solidFill>
-                  <a:srgbClr val="292929"/>
-                </a:solidFill>
-                <a:effectLst/>
-                <a:latin typeface="Helvetica" panose="020B0604020202020204" pitchFamily="34" charset="0"/>
-                <a:cs typeface="Helvetica" panose="020B0604020202020204" pitchFamily="34" charset="0"/>
-              </a:rPr>
-              <a:t>to </a:t>
-            </a:r>
-            <a:r>
-              <a:rPr lang="en-US" b="1" i="0" dirty="0">
-                <a:solidFill>
-                  <a:srgbClr val="292929"/>
-                </a:solidFill>
-                <a:effectLst/>
-                <a:latin typeface="Helvetica" panose="020B0604020202020204" pitchFamily="34" charset="0"/>
-                <a:cs typeface="Helvetica" panose="020B0604020202020204" pitchFamily="34" charset="0"/>
-              </a:rPr>
-              <a:t>sibling 2</a:t>
-            </a:r>
-            <a:r>
-              <a:rPr lang="en-US" b="0" i="0" dirty="0">
-                <a:solidFill>
-                  <a:srgbClr val="292929"/>
-                </a:solidFill>
-                <a:effectLst/>
-                <a:latin typeface="Helvetica" panose="020B0604020202020204" pitchFamily="34" charset="0"/>
-                <a:cs typeface="Helvetica" panose="020B0604020202020204" pitchFamily="34" charset="0"/>
-              </a:rPr>
-              <a:t>. This approach is a little complicated and difficult to maintain.</a:t>
-            </a:r>
-          </a:p>
-        </p:txBody>
-      </p:sp>
-      <p:sp>
-        <p:nvSpPr>
-          <p:cNvPr id="203" name="Slide Title"/>
-          <p:cNvSpPr txBox="1">
-            <a:spLocks noGrp="1"/>
-          </p:cNvSpPr>
-          <p:nvPr>
-            <p:ph type="title"/>
-          </p:nvPr>
-        </p:nvSpPr>
-        <p:spPr>
-          <a:xfrm>
-            <a:off x="1206499" y="1079500"/>
-            <a:ext cx="18649044" cy="1435100"/>
-          </a:xfrm>
-          <a:prstGeom prst="rect">
-            <a:avLst/>
-          </a:prstGeom>
-        </p:spPr>
-        <p:txBody>
-          <a:bodyPr>
-            <a:normAutofit/>
-          </a:bodyPr>
-          <a:lstStyle/>
-          <a:p>
-            <a:pPr algn="l" rtl="0">
-              <a:defRPr/>
-            </a:pPr>
-            <a:r>
-              <a:rPr lang="en-US" dirty="0"/>
-              <a:t>Component communication</a:t>
-            </a:r>
-            <a:endParaRPr dirty="0"/>
-          </a:p>
-        </p:txBody>
-      </p:sp>
-      <p:sp>
-        <p:nvSpPr>
-          <p:cNvPr id="3" name="عنصر نائب للصورة 2">
-            <a:extLst>
-              <a:ext uri="{FF2B5EF4-FFF2-40B4-BE49-F238E27FC236}">
-                <a16:creationId xmlns:a16="http://schemas.microsoft.com/office/drawing/2014/main" id="{E0CDB4E7-CA75-43F7-9F05-6E1EBE92BD01}"/>
-              </a:ext>
-            </a:extLst>
-          </p:cNvPr>
-          <p:cNvSpPr>
-            <a:spLocks noGrp="1"/>
-          </p:cNvSpPr>
-          <p:nvPr>
-            <p:ph type="pic" sz="half" idx="22"/>
-          </p:nvPr>
-        </p:nvSpPr>
-        <p:spPr/>
-      </p:sp>
-      <p:pic>
-        <p:nvPicPr>
-          <p:cNvPr id="12296" name="Picture 8">
-            <a:extLst>
-              <a:ext uri="{FF2B5EF4-FFF2-40B4-BE49-F238E27FC236}">
-                <a16:creationId xmlns:a16="http://schemas.microsoft.com/office/drawing/2014/main" id="{338BDEB4-616A-4CA8-91D0-0AFC3140A75E}"/>
-              </a:ext>
-            </a:extLst>
-          </p:cNvPr>
-          <p:cNvPicPr>
-            <a:picLocks noChangeAspect="1" noChangeArrowheads="1"/>
-          </p:cNvPicPr>
-          <p:nvPr/>
-        </p:nvPicPr>
-        <p:blipFill>
-          <a:blip r:embed="rId2">
-            <a:extLst>
-              <a:ext uri="{28A0092B-C50C-407E-A947-70E740481C1C}">
-                <a14:useLocalDpi xmlns:a14="http://schemas.microsoft.com/office/drawing/2010/main" val="0"/>
-              </a:ext>
-            </a:extLst>
-          </a:blip>
-          <a:srcRect/>
-          <a:stretch>
-            <a:fillRect/>
-          </a:stretch>
-        </p:blipFill>
-        <p:spPr bwMode="auto">
-          <a:xfrm>
-            <a:off x="6896781" y="5486399"/>
-            <a:ext cx="9531072" cy="4161454"/>
-          </a:xfrm>
-          <a:prstGeom prst="rect">
-            <a:avLst/>
-          </a:prstGeom>
-          <a:noFill/>
-          <a:extLst>
-            <a:ext uri="{909E8E84-426E-40DD-AFC4-6F175D3DCCD1}">
-              <a14:hiddenFill xmlns:a14="http://schemas.microsoft.com/office/drawing/2010/main">
-                <a:solidFill>
-                  <a:srgbClr val="FFFFFF"/>
-                </a:solidFill>
-              </a14:hiddenFill>
-            </a:ext>
-          </a:extLst>
-        </p:spPr>
-      </p:pic>
-    </p:spTree>
-    <p:extLst>
-      <p:ext uri="{BB962C8B-B14F-4D97-AF65-F5344CB8AC3E}">
-        <p14:creationId xmlns:p14="http://schemas.microsoft.com/office/powerpoint/2010/main" val="4198385681"/>
-      </p:ext>
-    </p:extLst>
-  </p:cSld>
-  <p:clrMapOvr>
-    <a:masterClrMapping/>
-  </p:clrMapOvr>
-  <p:transition spd="med"/>
-</p:sld>
-</file>
-
-<file path=ppt/slides/slide7.xml><?xml version="1.0" encoding="utf-8"?>
 <p:sld xmlns:a="http://schemas.openxmlformats.org/drawingml/2006/main" xmlns:r="http://schemas.openxmlformats.org/officeDocument/2006/relationships" xmlns:p="http://schemas.openxmlformats.org/presentationml/2006/main">
   <p:cSld>
     <p:spTree>
@@ -7349,7 +6425,7 @@
 </p:sld>
 </file>
 
-<file path=ppt/slides/slide8.xml><?xml version="1.0" encoding="utf-8"?>
+<file path=ppt/slides/slide4.xml><?xml version="1.0" encoding="utf-8"?>
 <p:sld xmlns:a="http://schemas.openxmlformats.org/drawingml/2006/main" xmlns:r="http://schemas.openxmlformats.org/officeDocument/2006/relationships" xmlns:p="http://schemas.openxmlformats.org/presentationml/2006/main">
   <p:cSld>
     <p:spTree>
@@ -7544,7 +6620,7 @@
 </p:sld>
 </file>
 
-<file path=ppt/slides/slide9.xml><?xml version="1.0" encoding="utf-8"?>
+<file path=ppt/slides/slide5.xml><?xml version="1.0" encoding="utf-8"?>
 <p:sld xmlns:a="http://schemas.openxmlformats.org/drawingml/2006/main" xmlns:r="http://schemas.openxmlformats.org/officeDocument/2006/relationships" xmlns:p="http://schemas.openxmlformats.org/presentationml/2006/main">
   <p:cSld>
     <p:spTree>
@@ -7734,6 +6810,760 @@
     <p:extLst>
       <p:ext uri="{BB962C8B-B14F-4D97-AF65-F5344CB8AC3E}">
         <p14:creationId xmlns:p14="http://schemas.microsoft.com/office/powerpoint/2010/main" val="682319212"/>
+      </p:ext>
+    </p:extLst>
+  </p:cSld>
+  <p:clrMapOvr>
+    <a:masterClrMapping/>
+  </p:clrMapOvr>
+  <p:transition spd="med"/>
+</p:sld>
+</file>
+
+<file path=ppt/slides/slide6.xml><?xml version="1.0" encoding="utf-8"?>
+<p:sld xmlns:a="http://schemas.openxmlformats.org/drawingml/2006/main" xmlns:r="http://schemas.openxmlformats.org/officeDocument/2006/relationships" xmlns:p="http://schemas.openxmlformats.org/presentationml/2006/main">
+  <p:cSld>
+    <p:spTree>
+      <p:nvGrpSpPr>
+        <p:cNvPr id="1" name=""/>
+        <p:cNvGrpSpPr/>
+        <p:nvPr/>
+      </p:nvGrpSpPr>
+      <p:grpSpPr>
+        <a:xfrm>
+          <a:off x="0" y="0"/>
+          <a:ext cx="0" cy="0"/>
+          <a:chOff x="0" y="0"/>
+          <a:chExt cx="0" cy="0"/>
+        </a:xfrm>
+      </p:grpSpPr>
+      <p:sp>
+        <p:nvSpPr>
+          <p:cNvPr id="200" name="Slide Subtitle"/>
+          <p:cNvSpPr txBox="1">
+            <a:spLocks noGrp="1"/>
+          </p:cNvSpPr>
+          <p:nvPr>
+            <p:ph type="body" idx="21"/>
+          </p:nvPr>
+        </p:nvSpPr>
+        <p:spPr>
+          <a:prstGeom prst="rect">
+            <a:avLst/>
+          </a:prstGeom>
+        </p:spPr>
+        <p:txBody>
+          <a:bodyPr/>
+          <a:lstStyle/>
+          <a:p>
+            <a:pPr rtl="0">
+              <a:defRPr/>
+            </a:pPr>
+            <a:endParaRPr/>
+          </a:p>
+        </p:txBody>
+      </p:sp>
+      <p:sp>
+        <p:nvSpPr>
+          <p:cNvPr id="203" name="Slide Title"/>
+          <p:cNvSpPr txBox="1">
+            <a:spLocks noGrp="1"/>
+          </p:cNvSpPr>
+          <p:nvPr>
+            <p:ph type="title"/>
+          </p:nvPr>
+        </p:nvSpPr>
+        <p:spPr>
+          <a:xfrm>
+            <a:off x="1206500" y="1079500"/>
+            <a:ext cx="15252700" cy="1435100"/>
+          </a:xfrm>
+          <a:prstGeom prst="rect">
+            <a:avLst/>
+          </a:prstGeom>
+        </p:spPr>
+        <p:txBody>
+          <a:bodyPr>
+            <a:normAutofit/>
+          </a:bodyPr>
+          <a:lstStyle/>
+          <a:p>
+            <a:pPr algn="l" rtl="0">
+              <a:defRPr/>
+            </a:pPr>
+            <a:r>
+              <a:rPr lang="en-US" dirty="0"/>
+              <a:t>The Solution is: using Redux</a:t>
+            </a:r>
+            <a:endParaRPr dirty="0"/>
+          </a:p>
+        </p:txBody>
+      </p:sp>
+      <p:sp>
+        <p:nvSpPr>
+          <p:cNvPr id="3" name="عنصر نائب للصورة 2">
+            <a:extLst>
+              <a:ext uri="{FF2B5EF4-FFF2-40B4-BE49-F238E27FC236}">
+                <a16:creationId xmlns:a16="http://schemas.microsoft.com/office/drawing/2014/main" id="{CF62BBAE-776E-411F-BE7C-9573178F1588}"/>
+              </a:ext>
+            </a:extLst>
+          </p:cNvPr>
+          <p:cNvSpPr>
+            <a:spLocks noGrp="1"/>
+          </p:cNvSpPr>
+          <p:nvPr>
+            <p:ph type="pic" sz="half" idx="22"/>
+          </p:nvPr>
+        </p:nvSpPr>
+        <p:spPr/>
+      </p:sp>
+      <p:sp>
+        <p:nvSpPr>
+          <p:cNvPr id="4" name="عنصر نائب للنص 3">
+            <a:extLst>
+              <a:ext uri="{FF2B5EF4-FFF2-40B4-BE49-F238E27FC236}">
+                <a16:creationId xmlns:a16="http://schemas.microsoft.com/office/drawing/2014/main" id="{A31479DD-2D3E-4473-A843-297ABEDFC25B}"/>
+              </a:ext>
+            </a:extLst>
+          </p:cNvPr>
+          <p:cNvSpPr>
+            <a:spLocks noGrp="1"/>
+          </p:cNvSpPr>
+          <p:nvPr>
+            <p:ph type="body" sz="half" idx="1"/>
+          </p:nvPr>
+        </p:nvSpPr>
+        <p:spPr/>
+        <p:txBody>
+          <a:bodyPr/>
+          <a:lstStyle/>
+          <a:p>
+            <a:endParaRPr lang="en-US"/>
+          </a:p>
+        </p:txBody>
+      </p:sp>
+      <p:pic>
+        <p:nvPicPr>
+          <p:cNvPr id="3074" name="Picture 2" descr="شجرة مكونات React.js معقدة مع Redux">
+            <a:extLst>
+              <a:ext uri="{FF2B5EF4-FFF2-40B4-BE49-F238E27FC236}">
+                <a16:creationId xmlns:a16="http://schemas.microsoft.com/office/drawing/2014/main" id="{1D277452-702B-452B-9535-A0880453716C}"/>
+              </a:ext>
+            </a:extLst>
+          </p:cNvPr>
+          <p:cNvPicPr>
+            <a:picLocks noChangeAspect="1" noChangeArrowheads="1"/>
+          </p:cNvPicPr>
+          <p:nvPr/>
+        </p:nvPicPr>
+        <p:blipFill>
+          <a:blip r:embed="rId2">
+            <a:extLst>
+              <a:ext uri="{28A0092B-C50C-407E-A947-70E740481C1C}">
+                <a14:useLocalDpi xmlns:a14="http://schemas.microsoft.com/office/drawing/2010/main" val="0"/>
+              </a:ext>
+            </a:extLst>
+          </a:blip>
+          <a:srcRect/>
+          <a:stretch>
+            <a:fillRect/>
+          </a:stretch>
+        </p:blipFill>
+        <p:spPr bwMode="auto">
+          <a:xfrm>
+            <a:off x="5083086" y="3307742"/>
+            <a:ext cx="14221329" cy="8793188"/>
+          </a:xfrm>
+          <a:prstGeom prst="rect">
+            <a:avLst/>
+          </a:prstGeom>
+          <a:noFill/>
+          <a:extLst>
+            <a:ext uri="{909E8E84-426E-40DD-AFC4-6F175D3DCCD1}">
+              <a14:hiddenFill xmlns:a14="http://schemas.microsoft.com/office/drawing/2010/main">
+                <a:solidFill>
+                  <a:srgbClr val="FFFFFF"/>
+                </a:solidFill>
+              </a14:hiddenFill>
+            </a:ext>
+          </a:extLst>
+        </p:spPr>
+      </p:pic>
+    </p:spTree>
+    <p:extLst>
+      <p:ext uri="{BB962C8B-B14F-4D97-AF65-F5344CB8AC3E}">
+        <p14:creationId xmlns:p14="http://schemas.microsoft.com/office/powerpoint/2010/main" val="2612839216"/>
+      </p:ext>
+    </p:extLst>
+  </p:cSld>
+  <p:clrMapOvr>
+    <a:masterClrMapping/>
+  </p:clrMapOvr>
+  <p:transition spd="med"/>
+</p:sld>
+</file>
+
+<file path=ppt/slides/slide7.xml><?xml version="1.0" encoding="utf-8"?>
+<p:sld xmlns:a="http://schemas.openxmlformats.org/drawingml/2006/main" xmlns:r="http://schemas.openxmlformats.org/officeDocument/2006/relationships" xmlns:p="http://schemas.openxmlformats.org/presentationml/2006/main">
+  <p:cSld>
+    <p:spTree>
+      <p:nvGrpSpPr>
+        <p:cNvPr id="1" name=""/>
+        <p:cNvGrpSpPr/>
+        <p:nvPr/>
+      </p:nvGrpSpPr>
+      <p:grpSpPr>
+        <a:xfrm>
+          <a:off x="0" y="0"/>
+          <a:ext cx="0" cy="0"/>
+          <a:chOff x="0" y="0"/>
+          <a:chExt cx="0" cy="0"/>
+        </a:xfrm>
+      </p:grpSpPr>
+      <p:sp>
+        <p:nvSpPr>
+          <p:cNvPr id="200" name="Slide Subtitle"/>
+          <p:cNvSpPr txBox="1">
+            <a:spLocks noGrp="1"/>
+          </p:cNvSpPr>
+          <p:nvPr>
+            <p:ph type="body" idx="21"/>
+          </p:nvPr>
+        </p:nvSpPr>
+        <p:spPr>
+          <a:prstGeom prst="rect">
+            <a:avLst/>
+          </a:prstGeom>
+        </p:spPr>
+        <p:txBody>
+          <a:bodyPr/>
+          <a:lstStyle/>
+          <a:p>
+            <a:pPr rtl="0">
+              <a:defRPr/>
+            </a:pPr>
+            <a:endParaRPr/>
+          </a:p>
+        </p:txBody>
+      </p:sp>
+      <p:sp>
+        <p:nvSpPr>
+          <p:cNvPr id="203" name="Slide Title"/>
+          <p:cNvSpPr txBox="1">
+            <a:spLocks noGrp="1"/>
+          </p:cNvSpPr>
+          <p:nvPr>
+            <p:ph type="title"/>
+          </p:nvPr>
+        </p:nvSpPr>
+        <p:spPr>
+          <a:xfrm>
+            <a:off x="1206500" y="1079500"/>
+            <a:ext cx="15252700" cy="1435100"/>
+          </a:xfrm>
+          <a:prstGeom prst="rect">
+            <a:avLst/>
+          </a:prstGeom>
+        </p:spPr>
+        <p:txBody>
+          <a:bodyPr>
+            <a:normAutofit/>
+          </a:bodyPr>
+          <a:lstStyle/>
+          <a:p>
+            <a:pPr algn="l" rtl="0">
+              <a:defRPr/>
+            </a:pPr>
+            <a:r>
+              <a:rPr lang="en-US" dirty="0"/>
+              <a:t>The Solution is: using Redux</a:t>
+            </a:r>
+            <a:endParaRPr dirty="0"/>
+          </a:p>
+        </p:txBody>
+      </p:sp>
+      <p:sp>
+        <p:nvSpPr>
+          <p:cNvPr id="3" name="عنصر نائب للصورة 2">
+            <a:extLst>
+              <a:ext uri="{FF2B5EF4-FFF2-40B4-BE49-F238E27FC236}">
+                <a16:creationId xmlns:a16="http://schemas.microsoft.com/office/drawing/2014/main" id="{CF62BBAE-776E-411F-BE7C-9573178F1588}"/>
+              </a:ext>
+            </a:extLst>
+          </p:cNvPr>
+          <p:cNvSpPr>
+            <a:spLocks noGrp="1"/>
+          </p:cNvSpPr>
+          <p:nvPr>
+            <p:ph type="pic" sz="half" idx="22"/>
+          </p:nvPr>
+        </p:nvSpPr>
+        <p:spPr/>
+      </p:sp>
+      <p:sp>
+        <p:nvSpPr>
+          <p:cNvPr id="4" name="عنصر نائب للنص 3">
+            <a:extLst>
+              <a:ext uri="{FF2B5EF4-FFF2-40B4-BE49-F238E27FC236}">
+                <a16:creationId xmlns:a16="http://schemas.microsoft.com/office/drawing/2014/main" id="{A31479DD-2D3E-4473-A843-297ABEDFC25B}"/>
+              </a:ext>
+            </a:extLst>
+          </p:cNvPr>
+          <p:cNvSpPr>
+            <a:spLocks noGrp="1"/>
+          </p:cNvSpPr>
+          <p:nvPr>
+            <p:ph type="body" sz="half" idx="1"/>
+          </p:nvPr>
+        </p:nvSpPr>
+        <p:spPr/>
+        <p:txBody>
+          <a:bodyPr/>
+          <a:lstStyle/>
+          <a:p>
+            <a:endParaRPr lang="en-US"/>
+          </a:p>
+        </p:txBody>
+      </p:sp>
+      <p:pic>
+        <p:nvPicPr>
+          <p:cNvPr id="5122" name="Picture 2" descr="redux - Liberal Dictionary">
+            <a:extLst>
+              <a:ext uri="{FF2B5EF4-FFF2-40B4-BE49-F238E27FC236}">
+                <a16:creationId xmlns:a16="http://schemas.microsoft.com/office/drawing/2014/main" id="{1D37E717-4B30-4FAA-89CB-2E00B3F5F7B4}"/>
+              </a:ext>
+            </a:extLst>
+          </p:cNvPr>
+          <p:cNvPicPr>
+            <a:picLocks noChangeAspect="1" noChangeArrowheads="1"/>
+          </p:cNvPicPr>
+          <p:nvPr/>
+        </p:nvPicPr>
+        <p:blipFill>
+          <a:blip r:embed="rId2">
+            <a:extLst>
+              <a:ext uri="{28A0092B-C50C-407E-A947-70E740481C1C}">
+                <a14:useLocalDpi xmlns:a14="http://schemas.microsoft.com/office/drawing/2010/main" val="0"/>
+              </a:ext>
+            </a:extLst>
+          </a:blip>
+          <a:srcRect/>
+          <a:stretch>
+            <a:fillRect/>
+          </a:stretch>
+        </p:blipFill>
+        <p:spPr bwMode="auto">
+          <a:xfrm>
+            <a:off x="4653351" y="2818143"/>
+            <a:ext cx="15073798" cy="9496493"/>
+          </a:xfrm>
+          <a:prstGeom prst="rect">
+            <a:avLst/>
+          </a:prstGeom>
+          <a:noFill/>
+          <a:extLst>
+            <a:ext uri="{909E8E84-426E-40DD-AFC4-6F175D3DCCD1}">
+              <a14:hiddenFill xmlns:a14="http://schemas.microsoft.com/office/drawing/2010/main">
+                <a:solidFill>
+                  <a:srgbClr val="FFFFFF"/>
+                </a:solidFill>
+              </a14:hiddenFill>
+            </a:ext>
+          </a:extLst>
+        </p:spPr>
+      </p:pic>
+    </p:spTree>
+    <p:extLst>
+      <p:ext uri="{BB962C8B-B14F-4D97-AF65-F5344CB8AC3E}">
+        <p14:creationId xmlns:p14="http://schemas.microsoft.com/office/powerpoint/2010/main" val="167317326"/>
+      </p:ext>
+    </p:extLst>
+  </p:cSld>
+  <p:clrMapOvr>
+    <a:masterClrMapping/>
+  </p:clrMapOvr>
+  <p:transition spd="med"/>
+</p:sld>
+</file>
+
+<file path=ppt/slides/slide8.xml><?xml version="1.0" encoding="utf-8"?>
+<p:sld xmlns:a="http://schemas.openxmlformats.org/drawingml/2006/main" xmlns:r="http://schemas.openxmlformats.org/officeDocument/2006/relationships" xmlns:p="http://schemas.openxmlformats.org/presentationml/2006/main">
+  <p:cSld>
+    <p:spTree>
+      <p:nvGrpSpPr>
+        <p:cNvPr id="1" name=""/>
+        <p:cNvGrpSpPr/>
+        <p:nvPr/>
+      </p:nvGrpSpPr>
+      <p:grpSpPr>
+        <a:xfrm>
+          <a:off x="0" y="0"/>
+          <a:ext cx="0" cy="0"/>
+          <a:chOff x="0" y="0"/>
+          <a:chExt cx="0" cy="0"/>
+        </a:xfrm>
+      </p:grpSpPr>
+      <p:sp>
+        <p:nvSpPr>
+          <p:cNvPr id="200" name="Slide Subtitle"/>
+          <p:cNvSpPr txBox="1">
+            <a:spLocks noGrp="1"/>
+          </p:cNvSpPr>
+          <p:nvPr>
+            <p:ph type="body" idx="21"/>
+          </p:nvPr>
+        </p:nvSpPr>
+        <p:spPr>
+          <a:prstGeom prst="rect">
+            <a:avLst/>
+          </a:prstGeom>
+        </p:spPr>
+        <p:txBody>
+          <a:bodyPr/>
+          <a:lstStyle/>
+          <a:p>
+            <a:pPr rtl="0">
+              <a:defRPr/>
+            </a:pPr>
+            <a:endParaRPr/>
+          </a:p>
+        </p:txBody>
+      </p:sp>
+      <p:sp>
+        <p:nvSpPr>
+          <p:cNvPr id="203" name="Slide Title"/>
+          <p:cNvSpPr txBox="1">
+            <a:spLocks noGrp="1"/>
+          </p:cNvSpPr>
+          <p:nvPr>
+            <p:ph type="title"/>
+          </p:nvPr>
+        </p:nvSpPr>
+        <p:spPr>
+          <a:xfrm>
+            <a:off x="1206500" y="1079500"/>
+            <a:ext cx="15252700" cy="1435100"/>
+          </a:xfrm>
+          <a:prstGeom prst="rect">
+            <a:avLst/>
+          </a:prstGeom>
+        </p:spPr>
+        <p:txBody>
+          <a:bodyPr>
+            <a:normAutofit/>
+          </a:bodyPr>
+          <a:lstStyle/>
+          <a:p>
+            <a:pPr algn="l" rtl="0">
+              <a:defRPr/>
+            </a:pPr>
+            <a:r>
+              <a:rPr lang="en-US" dirty="0"/>
+              <a:t>Redux flow</a:t>
+            </a:r>
+            <a:endParaRPr dirty="0"/>
+          </a:p>
+        </p:txBody>
+      </p:sp>
+      <p:sp>
+        <p:nvSpPr>
+          <p:cNvPr id="3" name="عنصر نائب للصورة 2">
+            <a:extLst>
+              <a:ext uri="{FF2B5EF4-FFF2-40B4-BE49-F238E27FC236}">
+                <a16:creationId xmlns:a16="http://schemas.microsoft.com/office/drawing/2014/main" id="{CF62BBAE-776E-411F-BE7C-9573178F1588}"/>
+              </a:ext>
+            </a:extLst>
+          </p:cNvPr>
+          <p:cNvSpPr>
+            <a:spLocks noGrp="1"/>
+          </p:cNvSpPr>
+          <p:nvPr>
+            <p:ph type="pic" sz="half" idx="22"/>
+          </p:nvPr>
+        </p:nvSpPr>
+        <p:spPr/>
+      </p:sp>
+      <p:sp>
+        <p:nvSpPr>
+          <p:cNvPr id="4" name="عنصر نائب للنص 3">
+            <a:extLst>
+              <a:ext uri="{FF2B5EF4-FFF2-40B4-BE49-F238E27FC236}">
+                <a16:creationId xmlns:a16="http://schemas.microsoft.com/office/drawing/2014/main" id="{A31479DD-2D3E-4473-A843-297ABEDFC25B}"/>
+              </a:ext>
+            </a:extLst>
+          </p:cNvPr>
+          <p:cNvSpPr>
+            <a:spLocks noGrp="1"/>
+          </p:cNvSpPr>
+          <p:nvPr>
+            <p:ph type="body" sz="half" idx="1"/>
+          </p:nvPr>
+        </p:nvSpPr>
+        <p:spPr/>
+        <p:txBody>
+          <a:bodyPr/>
+          <a:lstStyle/>
+          <a:p>
+            <a:endParaRPr lang="en-US"/>
+          </a:p>
+        </p:txBody>
+      </p:sp>
+      <p:pic>
+        <p:nvPicPr>
+          <p:cNvPr id="6146" name="Picture 2" descr="redux">
+            <a:extLst>
+              <a:ext uri="{FF2B5EF4-FFF2-40B4-BE49-F238E27FC236}">
+                <a16:creationId xmlns:a16="http://schemas.microsoft.com/office/drawing/2014/main" id="{208CF375-BF0A-40F8-A25C-5A3A429A9955}"/>
+              </a:ext>
+            </a:extLst>
+          </p:cNvPr>
+          <p:cNvPicPr>
+            <a:picLocks noChangeAspect="1" noChangeArrowheads="1" noCrop="1"/>
+          </p:cNvPicPr>
+          <p:nvPr/>
+        </p:nvPicPr>
+        <p:blipFill>
+          <a:blip r:embed="rId2">
+            <a:extLst>
+              <a:ext uri="{28A0092B-C50C-407E-A947-70E740481C1C}">
+                <a14:useLocalDpi xmlns:a14="http://schemas.microsoft.com/office/drawing/2010/main" val="0"/>
+              </a:ext>
+            </a:extLst>
+          </a:blip>
+          <a:srcRect/>
+          <a:stretch>
+            <a:fillRect/>
+          </a:stretch>
+        </p:blipFill>
+        <p:spPr bwMode="auto">
+          <a:xfrm>
+            <a:off x="4543162" y="2349401"/>
+            <a:ext cx="15240000" cy="10287000"/>
+          </a:xfrm>
+          <a:prstGeom prst="rect">
+            <a:avLst/>
+          </a:prstGeom>
+          <a:noFill/>
+          <a:extLst>
+            <a:ext uri="{909E8E84-426E-40DD-AFC4-6F175D3DCCD1}">
+              <a14:hiddenFill xmlns:a14="http://schemas.microsoft.com/office/drawing/2010/main">
+                <a:solidFill>
+                  <a:srgbClr val="FFFFFF"/>
+                </a:solidFill>
+              </a14:hiddenFill>
+            </a:ext>
+          </a:extLst>
+        </p:spPr>
+      </p:pic>
+    </p:spTree>
+    <p:extLst>
+      <p:ext uri="{BB962C8B-B14F-4D97-AF65-F5344CB8AC3E}">
+        <p14:creationId xmlns:p14="http://schemas.microsoft.com/office/powerpoint/2010/main" val="1648089042"/>
+      </p:ext>
+    </p:extLst>
+  </p:cSld>
+  <p:clrMapOvr>
+    <a:masterClrMapping/>
+  </p:clrMapOvr>
+  <p:transition spd="med"/>
+</p:sld>
+</file>
+
+<file path=ppt/slides/slide9.xml><?xml version="1.0" encoding="utf-8"?>
+<p:sld xmlns:a="http://schemas.openxmlformats.org/drawingml/2006/main" xmlns:r="http://schemas.openxmlformats.org/officeDocument/2006/relationships" xmlns:p="http://schemas.openxmlformats.org/presentationml/2006/main">
+  <p:cSld>
+    <p:spTree>
+      <p:nvGrpSpPr>
+        <p:cNvPr id="1" name=""/>
+        <p:cNvGrpSpPr/>
+        <p:nvPr/>
+      </p:nvGrpSpPr>
+      <p:grpSpPr>
+        <a:xfrm>
+          <a:off x="0" y="0"/>
+          <a:ext cx="0" cy="0"/>
+          <a:chOff x="0" y="0"/>
+          <a:chExt cx="0" cy="0"/>
+        </a:xfrm>
+      </p:grpSpPr>
+      <p:sp>
+        <p:nvSpPr>
+          <p:cNvPr id="200" name="Slide Subtitle"/>
+          <p:cNvSpPr txBox="1">
+            <a:spLocks noGrp="1"/>
+          </p:cNvSpPr>
+          <p:nvPr>
+            <p:ph type="body" idx="21"/>
+          </p:nvPr>
+        </p:nvSpPr>
+        <p:spPr>
+          <a:prstGeom prst="rect">
+            <a:avLst/>
+          </a:prstGeom>
+        </p:spPr>
+        <p:txBody>
+          <a:bodyPr/>
+          <a:lstStyle/>
+          <a:p>
+            <a:pPr rtl="0">
+              <a:defRPr/>
+            </a:pPr>
+            <a:endParaRPr/>
+          </a:p>
+        </p:txBody>
+      </p:sp>
+      <p:sp>
+        <p:nvSpPr>
+          <p:cNvPr id="203" name="Slide Title"/>
+          <p:cNvSpPr txBox="1">
+            <a:spLocks noGrp="1"/>
+          </p:cNvSpPr>
+          <p:nvPr>
+            <p:ph type="title"/>
+          </p:nvPr>
+        </p:nvSpPr>
+        <p:spPr>
+          <a:xfrm>
+            <a:off x="1206500" y="1079500"/>
+            <a:ext cx="15252700" cy="1435100"/>
+          </a:xfrm>
+          <a:prstGeom prst="rect">
+            <a:avLst/>
+          </a:prstGeom>
+        </p:spPr>
+        <p:txBody>
+          <a:bodyPr>
+            <a:normAutofit/>
+          </a:bodyPr>
+          <a:lstStyle/>
+          <a:p>
+            <a:pPr algn="l" rtl="0">
+              <a:defRPr/>
+            </a:pPr>
+            <a:r>
+              <a:rPr lang="en-US" dirty="0"/>
+              <a:t>Redux flow</a:t>
+            </a:r>
+            <a:endParaRPr dirty="0"/>
+          </a:p>
+        </p:txBody>
+      </p:sp>
+      <p:sp>
+        <p:nvSpPr>
+          <p:cNvPr id="4" name="عنصر نائب للنص 3">
+            <a:extLst>
+              <a:ext uri="{FF2B5EF4-FFF2-40B4-BE49-F238E27FC236}">
+                <a16:creationId xmlns:a16="http://schemas.microsoft.com/office/drawing/2014/main" id="{A31479DD-2D3E-4473-A843-297ABEDFC25B}"/>
+              </a:ext>
+            </a:extLst>
+          </p:cNvPr>
+          <p:cNvSpPr>
+            <a:spLocks noGrp="1"/>
+          </p:cNvSpPr>
+          <p:nvPr>
+            <p:ph type="body" sz="half" idx="1"/>
+          </p:nvPr>
+        </p:nvSpPr>
+        <p:spPr/>
+        <p:txBody>
+          <a:bodyPr>
+            <a:normAutofit lnSpcReduction="10000"/>
+          </a:bodyPr>
+          <a:lstStyle/>
+          <a:p>
+            <a:pPr algn="l" rtl="0"/>
+            <a:r>
+              <a:rPr lang="en-US" dirty="0"/>
+              <a:t>It all starts from the User Interface, where the user performs a specific behavior that translates in Redux into what is known as Action.</a:t>
+            </a:r>
+          </a:p>
+          <a:p>
+            <a:pPr algn="l" rtl="0"/>
+            <a:r>
+              <a:rPr lang="en-US" dirty="0"/>
+              <a:t>This action is received in pure functions known as Reducers. It usually accepts two arguments: the old state and the previously fired action, and returns the new state based on the information in the action.</a:t>
+            </a:r>
+          </a:p>
+          <a:p>
+            <a:pPr algn="l" rtl="0"/>
+            <a:r>
+              <a:rPr lang="en-US" dirty="0"/>
+              <a:t>The action is an object with two basic properties:</a:t>
+            </a:r>
+          </a:p>
+          <a:p>
+            <a:pPr lvl="1" algn="l" rtl="0">
+              <a:buFont typeface="Courier New" panose="02070309020205020404" pitchFamily="49" charset="0"/>
+              <a:buChar char="o"/>
+            </a:pPr>
+            <a:r>
+              <a:rPr lang="en-US" dirty="0"/>
+              <a:t>type : This property is mandatory and contains the type of action to be performed.</a:t>
+            </a:r>
+          </a:p>
+          <a:p>
+            <a:pPr lvl="1" algn="l" rtl="0">
+              <a:buFont typeface="Courier New" panose="02070309020205020404" pitchFamily="49" charset="0"/>
+              <a:buChar char="o"/>
+            </a:pPr>
+            <a:r>
+              <a:rPr lang="en-US" dirty="0"/>
+              <a:t>payload : This property is not mandatory - it can be called any name other than payload - and it contains the information that we want to send to the Store to be merged into the state of the application via Reducers.</a:t>
+            </a:r>
+          </a:p>
+        </p:txBody>
+      </p:sp>
+      <p:pic>
+        <p:nvPicPr>
+          <p:cNvPr id="7170" name="Picture 2" descr="Redux">
+            <a:extLst>
+              <a:ext uri="{FF2B5EF4-FFF2-40B4-BE49-F238E27FC236}">
+                <a16:creationId xmlns:a16="http://schemas.microsoft.com/office/drawing/2014/main" id="{935429D4-AC43-48E2-B235-FD2F80A14DD1}"/>
+              </a:ext>
+            </a:extLst>
+          </p:cNvPr>
+          <p:cNvPicPr>
+            <a:picLocks noChangeAspect="1" noChangeArrowheads="1"/>
+          </p:cNvPicPr>
+          <p:nvPr/>
+        </p:nvPicPr>
+        <p:blipFill>
+          <a:blip r:embed="rId3">
+            <a:extLst>
+              <a:ext uri="{28A0092B-C50C-407E-A947-70E740481C1C}">
+                <a14:useLocalDpi xmlns:a14="http://schemas.microsoft.com/office/drawing/2010/main" val="0"/>
+              </a:ext>
+            </a:extLst>
+          </a:blip>
+          <a:srcRect/>
+          <a:stretch>
+            <a:fillRect/>
+          </a:stretch>
+        </p:blipFill>
+        <p:spPr bwMode="auto">
+          <a:xfrm>
+            <a:off x="11957234" y="3532012"/>
+            <a:ext cx="12426766" cy="6651975"/>
+          </a:xfrm>
+          <a:prstGeom prst="rect">
+            <a:avLst/>
+          </a:prstGeom>
+          <a:noFill/>
+          <a:extLst>
+            <a:ext uri="{909E8E84-426E-40DD-AFC4-6F175D3DCCD1}">
+              <a14:hiddenFill xmlns:a14="http://schemas.microsoft.com/office/drawing/2010/main">
+                <a:solidFill>
+                  <a:srgbClr val="FFFFFF"/>
+                </a:solidFill>
+              </a14:hiddenFill>
+            </a:ext>
+          </a:extLst>
+        </p:spPr>
+      </p:pic>
+    </p:spTree>
+    <p:extLst>
+      <p:ext uri="{BB962C8B-B14F-4D97-AF65-F5344CB8AC3E}">
+        <p14:creationId xmlns:p14="http://schemas.microsoft.com/office/powerpoint/2010/main" val="2287863555"/>
       </p:ext>
     </p:extLst>
   </p:cSld>
